--- a/Documentação/SixSolucionApre.pptx
+++ b/Documentação/SixSolucionApre.pptx
@@ -25,18 +25,18 @@
   <p:notesSz cx="6858000" cy="9144000"/>
   <p:embeddedFontLst>
     <p:embeddedFont>
+      <p:font typeface="Muli Regular" panose="020B0604020202020204" charset="0"/>
+      <p:regular r:id="rId15"/>
+    </p:embeddedFont>
+    <p:embeddedFont>
       <p:font typeface="Calibri" panose="020F0502020204030204" pitchFamily="34" charset="0"/>
-      <p:regular r:id="rId15"/>
-      <p:bold r:id="rId16"/>
-      <p:italic r:id="rId17"/>
-      <p:boldItalic r:id="rId18"/>
+      <p:regular r:id="rId16"/>
+      <p:bold r:id="rId17"/>
+      <p:italic r:id="rId18"/>
+      <p:boldItalic r:id="rId19"/>
     </p:embeddedFont>
     <p:embeddedFont>
       <p:font typeface="Muli Black" panose="020B0604020202020204" charset="0"/>
-      <p:regular r:id="rId19"/>
-    </p:embeddedFont>
-    <p:embeddedFont>
-      <p:font typeface="Muli Regular" panose="020B0604020202020204" charset="0"/>
       <p:regular r:id="rId20"/>
     </p:embeddedFont>
     <p:embeddedFont>
@@ -240,7 +240,7 @@
           <a:p>
             <a:fld id="{B7268E1E-0E44-426D-905E-8AD9B19D2182}" type="datetimeFigureOut">
               <a:rPr lang="cs-CZ" smtClean="0"/>
-              <a:t>16.4.2021</a:t>
+              <a:t>18.04.2021</a:t>
             </a:fld>
             <a:endParaRPr lang="cs-CZ"/>
           </a:p>
@@ -777,7 +777,7 @@
             <a:fld id="{1D8BD707-D9CF-40AE-B4C6-C98DA3205C09}" type="datetimeFigureOut">
               <a:rPr lang="en-US" smtClean="0"/>
               <a:pPr/>
-              <a:t>4/16/2021</a:t>
+              <a:t>4/18/2021</a:t>
             </a:fld>
             <a:endParaRPr lang="en-US"/>
           </a:p>
@@ -942,7 +942,7 @@
             <a:fld id="{1D8BD707-D9CF-40AE-B4C6-C98DA3205C09}" type="datetimeFigureOut">
               <a:rPr lang="en-US" smtClean="0"/>
               <a:pPr/>
-              <a:t>4/16/2021</a:t>
+              <a:t>4/18/2021</a:t>
             </a:fld>
             <a:endParaRPr lang="en-US"/>
           </a:p>
@@ -1117,7 +1117,7 @@
             <a:fld id="{1D8BD707-D9CF-40AE-B4C6-C98DA3205C09}" type="datetimeFigureOut">
               <a:rPr lang="en-US" smtClean="0"/>
               <a:pPr/>
-              <a:t>4/16/2021</a:t>
+              <a:t>4/18/2021</a:t>
             </a:fld>
             <a:endParaRPr lang="en-US"/>
           </a:p>
@@ -1282,7 +1282,7 @@
             <a:fld id="{1D8BD707-D9CF-40AE-B4C6-C98DA3205C09}" type="datetimeFigureOut">
               <a:rPr lang="en-US" smtClean="0"/>
               <a:pPr/>
-              <a:t>4/16/2021</a:t>
+              <a:t>4/18/2021</a:t>
             </a:fld>
             <a:endParaRPr lang="en-US"/>
           </a:p>
@@ -1524,7 +1524,7 @@
             <a:fld id="{1D8BD707-D9CF-40AE-B4C6-C98DA3205C09}" type="datetimeFigureOut">
               <a:rPr lang="en-US" smtClean="0"/>
               <a:pPr/>
-              <a:t>4/16/2021</a:t>
+              <a:t>4/18/2021</a:t>
             </a:fld>
             <a:endParaRPr lang="en-US"/>
           </a:p>
@@ -1806,7 +1806,7 @@
             <a:fld id="{1D8BD707-D9CF-40AE-B4C6-C98DA3205C09}" type="datetimeFigureOut">
               <a:rPr lang="en-US" smtClean="0"/>
               <a:pPr/>
-              <a:t>4/16/2021</a:t>
+              <a:t>4/18/2021</a:t>
             </a:fld>
             <a:endParaRPr lang="en-US"/>
           </a:p>
@@ -2222,7 +2222,7 @@
             <a:fld id="{1D8BD707-D9CF-40AE-B4C6-C98DA3205C09}" type="datetimeFigureOut">
               <a:rPr lang="en-US" smtClean="0"/>
               <a:pPr/>
-              <a:t>4/16/2021</a:t>
+              <a:t>4/18/2021</a:t>
             </a:fld>
             <a:endParaRPr lang="en-US"/>
           </a:p>
@@ -2336,7 +2336,7 @@
             <a:fld id="{1D8BD707-D9CF-40AE-B4C6-C98DA3205C09}" type="datetimeFigureOut">
               <a:rPr lang="en-US" smtClean="0"/>
               <a:pPr/>
-              <a:t>4/16/2021</a:t>
+              <a:t>4/18/2021</a:t>
             </a:fld>
             <a:endParaRPr lang="en-US"/>
           </a:p>
@@ -2428,7 +2428,7 @@
             <a:fld id="{1D8BD707-D9CF-40AE-B4C6-C98DA3205C09}" type="datetimeFigureOut">
               <a:rPr lang="en-US" smtClean="0"/>
               <a:pPr/>
-              <a:t>4/16/2021</a:t>
+              <a:t>4/18/2021</a:t>
             </a:fld>
             <a:endParaRPr lang="en-US"/>
           </a:p>
@@ -2700,7 +2700,7 @@
             <a:fld id="{1D8BD707-D9CF-40AE-B4C6-C98DA3205C09}" type="datetimeFigureOut">
               <a:rPr lang="en-US" smtClean="0"/>
               <a:pPr/>
-              <a:t>4/16/2021</a:t>
+              <a:t>4/18/2021</a:t>
             </a:fld>
             <a:endParaRPr lang="en-US"/>
           </a:p>
@@ -2949,7 +2949,7 @@
             <a:fld id="{1D8BD707-D9CF-40AE-B4C6-C98DA3205C09}" type="datetimeFigureOut">
               <a:rPr lang="en-US" smtClean="0"/>
               <a:pPr/>
-              <a:t>4/16/2021</a:t>
+              <a:t>4/18/2021</a:t>
             </a:fld>
             <a:endParaRPr lang="en-US"/>
           </a:p>
@@ -3157,7 +3157,7 @@
             <a:fld id="{1D8BD707-D9CF-40AE-B4C6-C98DA3205C09}" type="datetimeFigureOut">
               <a:rPr lang="en-US" smtClean="0"/>
               <a:pPr/>
-              <a:t>4/16/2021</a:t>
+              <a:t>4/18/2021</a:t>
             </a:fld>
             <a:endParaRPr lang="en-US"/>
           </a:p>
@@ -4192,42 +4192,6 @@
           </a:prstGeom>
         </p:spPr>
       </p:pic>
-      <p:pic>
-        <p:nvPicPr>
-          <p:cNvPr id="3" name="Imagem 2">
-            <a:extLst>
-              <a:ext uri="{FF2B5EF4-FFF2-40B4-BE49-F238E27FC236}">
-                <a16:creationId xmlns:a16="http://schemas.microsoft.com/office/drawing/2014/main" id="{99CA7EF3-2F23-4F62-8F3B-C88AA38D7B4D}"/>
-              </a:ext>
-            </a:extLst>
-          </p:cNvPr>
-          <p:cNvPicPr>
-            <a:picLocks noChangeAspect="1"/>
-          </p:cNvPicPr>
-          <p:nvPr/>
-        </p:nvPicPr>
-        <p:blipFill>
-          <a:blip r:embed="rId3">
-            <a:extLst>
-              <a:ext uri="{28A0092B-C50C-407E-A947-70E740481C1C}">
-                <a14:useLocalDpi xmlns:a14="http://schemas.microsoft.com/office/drawing/2010/main" val="0"/>
-              </a:ext>
-            </a:extLst>
-          </a:blip>
-          <a:stretch>
-            <a:fillRect/>
-          </a:stretch>
-        </p:blipFill>
-        <p:spPr>
-          <a:xfrm>
-            <a:off x="2721675" y="1562100"/>
-            <a:ext cx="12048219" cy="7696200"/>
-          </a:xfrm>
-          <a:prstGeom prst="rect">
-            <a:avLst/>
-          </a:prstGeom>
-        </p:spPr>
-      </p:pic>
       <p:sp>
         <p:nvSpPr>
           <p:cNvPr id="7" name="TextBox 4">
@@ -4272,6 +4236,30 @@
           </a:p>
         </p:txBody>
       </p:sp>
+      <p:pic>
+        <p:nvPicPr>
+          <p:cNvPr id="2" name="Imagem 1"/>
+          <p:cNvPicPr>
+            <a:picLocks noChangeAspect="1"/>
+          </p:cNvPicPr>
+          <p:nvPr/>
+        </p:nvPicPr>
+        <p:blipFill>
+          <a:blip r:embed="rId3"/>
+          <a:stretch>
+            <a:fillRect/>
+          </a:stretch>
+        </p:blipFill>
+        <p:spPr>
+          <a:xfrm>
+            <a:off x="2133600" y="1485900"/>
+            <a:ext cx="13106400" cy="8199815"/>
+          </a:xfrm>
+          <a:prstGeom prst="rect">
+            <a:avLst/>
+          </a:prstGeom>
+        </p:spPr>
+      </p:pic>
     </p:spTree>
     <p:extLst>
       <p:ext uri="{BB962C8B-B14F-4D97-AF65-F5344CB8AC3E}">
@@ -6359,7 +6347,7 @@
         </p:nvGraphicFramePr>
         <p:xfrm>
           <a:off x="5341643" y="4420020"/>
-          <a:ext cx="12946359" cy="3139676"/>
+          <a:ext cx="12946359" cy="3243431"/>
         </p:xfrm>
         <a:graphic>
           <a:graphicData uri="http://schemas.openxmlformats.org/drawingml/2006/table">

--- a/Documentação/SixSolucionApre.pptx
+++ b/Documentação/SixSolucionApre.pptx
@@ -25,18 +25,18 @@
   <p:notesSz cx="6858000" cy="9144000"/>
   <p:embeddedFontLst>
     <p:embeddedFont>
-      <p:font typeface="Muli Regular" panose="020B0604020202020204" charset="0"/>
+      <p:font typeface="Calibri" panose="020F0502020204030204" pitchFamily="34" charset="0"/>
       <p:regular r:id="rId15"/>
-    </p:embeddedFont>
-    <p:embeddedFont>
-      <p:font typeface="Calibri" panose="020F0502020204030204" pitchFamily="34" charset="0"/>
-      <p:regular r:id="rId16"/>
-      <p:bold r:id="rId17"/>
-      <p:italic r:id="rId18"/>
-      <p:boldItalic r:id="rId19"/>
+      <p:bold r:id="rId16"/>
+      <p:italic r:id="rId17"/>
+      <p:boldItalic r:id="rId18"/>
     </p:embeddedFont>
     <p:embeddedFont>
       <p:font typeface="Muli Black" panose="020B0604020202020204" charset="0"/>
+      <p:regular r:id="rId19"/>
+    </p:embeddedFont>
+    <p:embeddedFont>
+      <p:font typeface="Muli Regular" panose="020B0604020202020204" charset="0"/>
       <p:regular r:id="rId20"/>
     </p:embeddedFont>
     <p:embeddedFont>
@@ -240,7 +240,7 @@
           <a:p>
             <a:fld id="{B7268E1E-0E44-426D-905E-8AD9B19D2182}" type="datetimeFigureOut">
               <a:rPr lang="cs-CZ" smtClean="0"/>
-              <a:t>18.04.2021</a:t>
+              <a:t>19.4.2021</a:t>
             </a:fld>
             <a:endParaRPr lang="cs-CZ"/>
           </a:p>
@@ -777,7 +777,7 @@
             <a:fld id="{1D8BD707-D9CF-40AE-B4C6-C98DA3205C09}" type="datetimeFigureOut">
               <a:rPr lang="en-US" smtClean="0"/>
               <a:pPr/>
-              <a:t>4/18/2021</a:t>
+              <a:t>4/19/2021</a:t>
             </a:fld>
             <a:endParaRPr lang="en-US"/>
           </a:p>
@@ -942,7 +942,7 @@
             <a:fld id="{1D8BD707-D9CF-40AE-B4C6-C98DA3205C09}" type="datetimeFigureOut">
               <a:rPr lang="en-US" smtClean="0"/>
               <a:pPr/>
-              <a:t>4/18/2021</a:t>
+              <a:t>4/19/2021</a:t>
             </a:fld>
             <a:endParaRPr lang="en-US"/>
           </a:p>
@@ -1117,7 +1117,7 @@
             <a:fld id="{1D8BD707-D9CF-40AE-B4C6-C98DA3205C09}" type="datetimeFigureOut">
               <a:rPr lang="en-US" smtClean="0"/>
               <a:pPr/>
-              <a:t>4/18/2021</a:t>
+              <a:t>4/19/2021</a:t>
             </a:fld>
             <a:endParaRPr lang="en-US"/>
           </a:p>
@@ -1282,7 +1282,7 @@
             <a:fld id="{1D8BD707-D9CF-40AE-B4C6-C98DA3205C09}" type="datetimeFigureOut">
               <a:rPr lang="en-US" smtClean="0"/>
               <a:pPr/>
-              <a:t>4/18/2021</a:t>
+              <a:t>4/19/2021</a:t>
             </a:fld>
             <a:endParaRPr lang="en-US"/>
           </a:p>
@@ -1524,7 +1524,7 @@
             <a:fld id="{1D8BD707-D9CF-40AE-B4C6-C98DA3205C09}" type="datetimeFigureOut">
               <a:rPr lang="en-US" smtClean="0"/>
               <a:pPr/>
-              <a:t>4/18/2021</a:t>
+              <a:t>4/19/2021</a:t>
             </a:fld>
             <a:endParaRPr lang="en-US"/>
           </a:p>
@@ -1806,7 +1806,7 @@
             <a:fld id="{1D8BD707-D9CF-40AE-B4C6-C98DA3205C09}" type="datetimeFigureOut">
               <a:rPr lang="en-US" smtClean="0"/>
               <a:pPr/>
-              <a:t>4/18/2021</a:t>
+              <a:t>4/19/2021</a:t>
             </a:fld>
             <a:endParaRPr lang="en-US"/>
           </a:p>
@@ -2222,7 +2222,7 @@
             <a:fld id="{1D8BD707-D9CF-40AE-B4C6-C98DA3205C09}" type="datetimeFigureOut">
               <a:rPr lang="en-US" smtClean="0"/>
               <a:pPr/>
-              <a:t>4/18/2021</a:t>
+              <a:t>4/19/2021</a:t>
             </a:fld>
             <a:endParaRPr lang="en-US"/>
           </a:p>
@@ -2336,7 +2336,7 @@
             <a:fld id="{1D8BD707-D9CF-40AE-B4C6-C98DA3205C09}" type="datetimeFigureOut">
               <a:rPr lang="en-US" smtClean="0"/>
               <a:pPr/>
-              <a:t>4/18/2021</a:t>
+              <a:t>4/19/2021</a:t>
             </a:fld>
             <a:endParaRPr lang="en-US"/>
           </a:p>
@@ -2428,7 +2428,7 @@
             <a:fld id="{1D8BD707-D9CF-40AE-B4C6-C98DA3205C09}" type="datetimeFigureOut">
               <a:rPr lang="en-US" smtClean="0"/>
               <a:pPr/>
-              <a:t>4/18/2021</a:t>
+              <a:t>4/19/2021</a:t>
             </a:fld>
             <a:endParaRPr lang="en-US"/>
           </a:p>
@@ -2700,7 +2700,7 @@
             <a:fld id="{1D8BD707-D9CF-40AE-B4C6-C98DA3205C09}" type="datetimeFigureOut">
               <a:rPr lang="en-US" smtClean="0"/>
               <a:pPr/>
-              <a:t>4/18/2021</a:t>
+              <a:t>4/19/2021</a:t>
             </a:fld>
             <a:endParaRPr lang="en-US"/>
           </a:p>
@@ -2949,7 +2949,7 @@
             <a:fld id="{1D8BD707-D9CF-40AE-B4C6-C98DA3205C09}" type="datetimeFigureOut">
               <a:rPr lang="en-US" smtClean="0"/>
               <a:pPr/>
-              <a:t>4/18/2021</a:t>
+              <a:t>4/19/2021</a:t>
             </a:fld>
             <a:endParaRPr lang="en-US"/>
           </a:p>
@@ -3157,7 +3157,7 @@
             <a:fld id="{1D8BD707-D9CF-40AE-B4C6-C98DA3205C09}" type="datetimeFigureOut">
               <a:rPr lang="en-US" smtClean="0"/>
               <a:pPr/>
-              <a:t>4/18/2021</a:t>
+              <a:t>4/19/2021</a:t>
             </a:fld>
             <a:endParaRPr lang="en-US"/>
           </a:p>
@@ -5854,235 +5854,6 @@
   <p:clrMapOvr>
     <a:masterClrMapping/>
   </p:clrMapOvr>
-  <p:timing>
-    <p:tnLst>
-      <p:par>
-        <p:cTn id="1" dur="indefinite" restart="never" nodeType="tmRoot">
-          <p:childTnLst>
-            <p:seq concurrent="1" nextAc="seek">
-              <p:cTn id="2" dur="indefinite" nodeType="mainSeq">
-                <p:childTnLst>
-                  <p:par>
-                    <p:cTn id="3" fill="hold">
-                      <p:stCondLst>
-                        <p:cond delay="indefinite"/>
-                      </p:stCondLst>
-                      <p:childTnLst>
-                        <p:par>
-                          <p:cTn id="4" fill="hold">
-                            <p:stCondLst>
-                              <p:cond delay="0"/>
-                            </p:stCondLst>
-                            <p:childTnLst>
-                              <p:par>
-                                <p:cTn id="5" presetID="10" presetClass="entr" presetSubtype="0" fill="hold" grpId="0" nodeType="clickEffect">
-                                  <p:stCondLst>
-                                    <p:cond delay="0"/>
-                                  </p:stCondLst>
-                                  <p:childTnLst>
-                                    <p:set>
-                                      <p:cBhvr>
-                                        <p:cTn id="6" dur="1" fill="hold">
-                                          <p:stCondLst>
-                                            <p:cond delay="0"/>
-                                          </p:stCondLst>
-                                        </p:cTn>
-                                        <p:tgtEl>
-                                          <p:spTgt spid="14"/>
-                                        </p:tgtEl>
-                                        <p:attrNameLst>
-                                          <p:attrName>style.visibility</p:attrName>
-                                        </p:attrNameLst>
-                                      </p:cBhvr>
-                                      <p:to>
-                                        <p:strVal val="visible"/>
-                                      </p:to>
-                                    </p:set>
-                                    <p:animEffect transition="in" filter="fade">
-                                      <p:cBhvr>
-                                        <p:cTn id="7" dur="500"/>
-                                        <p:tgtEl>
-                                          <p:spTgt spid="14"/>
-                                        </p:tgtEl>
-                                      </p:cBhvr>
-                                    </p:animEffect>
-                                  </p:childTnLst>
-                                </p:cTn>
-                              </p:par>
-                              <p:par>
-                                <p:cTn id="8" presetID="10" presetClass="entr" presetSubtype="0" fill="hold" nodeType="withEffect">
-                                  <p:stCondLst>
-                                    <p:cond delay="0"/>
-                                  </p:stCondLst>
-                                  <p:childTnLst>
-                                    <p:set>
-                                      <p:cBhvr>
-                                        <p:cTn id="9" dur="1" fill="hold">
-                                          <p:stCondLst>
-                                            <p:cond delay="0"/>
-                                          </p:stCondLst>
-                                        </p:cTn>
-                                        <p:tgtEl>
-                                          <p:spTgt spid="22"/>
-                                        </p:tgtEl>
-                                        <p:attrNameLst>
-                                          <p:attrName>style.visibility</p:attrName>
-                                        </p:attrNameLst>
-                                      </p:cBhvr>
-                                      <p:to>
-                                        <p:strVal val="visible"/>
-                                      </p:to>
-                                    </p:set>
-                                    <p:animEffect transition="in" filter="fade">
-                                      <p:cBhvr>
-                                        <p:cTn id="10" dur="500"/>
-                                        <p:tgtEl>
-                                          <p:spTgt spid="22"/>
-                                        </p:tgtEl>
-                                      </p:cBhvr>
-                                    </p:animEffect>
-                                  </p:childTnLst>
-                                </p:cTn>
-                              </p:par>
-                            </p:childTnLst>
-                          </p:cTn>
-                        </p:par>
-                      </p:childTnLst>
-                    </p:cTn>
-                  </p:par>
-                  <p:par>
-                    <p:cTn id="11" fill="hold">
-                      <p:stCondLst>
-                        <p:cond delay="indefinite"/>
-                      </p:stCondLst>
-                      <p:childTnLst>
-                        <p:par>
-                          <p:cTn id="12" fill="hold">
-                            <p:stCondLst>
-                              <p:cond delay="0"/>
-                            </p:stCondLst>
-                            <p:childTnLst>
-                              <p:par>
-                                <p:cTn id="13" presetID="10" presetClass="entr" presetSubtype="0" fill="hold" grpId="0" nodeType="clickEffect">
-                                  <p:stCondLst>
-                                    <p:cond delay="0"/>
-                                  </p:stCondLst>
-                                  <p:childTnLst>
-                                    <p:set>
-                                      <p:cBhvr>
-                                        <p:cTn id="14" dur="1" fill="hold">
-                                          <p:stCondLst>
-                                            <p:cond delay="0"/>
-                                          </p:stCondLst>
-                                        </p:cTn>
-                                        <p:tgtEl>
-                                          <p:spTgt spid="16"/>
-                                        </p:tgtEl>
-                                        <p:attrNameLst>
-                                          <p:attrName>style.visibility</p:attrName>
-                                        </p:attrNameLst>
-                                      </p:cBhvr>
-                                      <p:to>
-                                        <p:strVal val="visible"/>
-                                      </p:to>
-                                    </p:set>
-                                    <p:animEffect transition="in" filter="fade">
-                                      <p:cBhvr>
-                                        <p:cTn id="15" dur="500"/>
-                                        <p:tgtEl>
-                                          <p:spTgt spid="16"/>
-                                        </p:tgtEl>
-                                      </p:cBhvr>
-                                    </p:animEffect>
-                                  </p:childTnLst>
-                                </p:cTn>
-                              </p:par>
-                            </p:childTnLst>
-                          </p:cTn>
-                        </p:par>
-                      </p:childTnLst>
-                    </p:cTn>
-                  </p:par>
-                  <p:par>
-                    <p:cTn id="16" fill="hold">
-                      <p:stCondLst>
-                        <p:cond delay="indefinite"/>
-                      </p:stCondLst>
-                      <p:childTnLst>
-                        <p:par>
-                          <p:cTn id="17" fill="hold">
-                            <p:stCondLst>
-                              <p:cond delay="0"/>
-                            </p:stCondLst>
-                            <p:childTnLst>
-                              <p:par>
-                                <p:cTn id="18" presetID="10" presetClass="entr" presetSubtype="0" fill="hold" grpId="0" nodeType="clickEffect">
-                                  <p:stCondLst>
-                                    <p:cond delay="0"/>
-                                  </p:stCondLst>
-                                  <p:childTnLst>
-                                    <p:set>
-                                      <p:cBhvr>
-                                        <p:cTn id="19" dur="1" fill="hold">
-                                          <p:stCondLst>
-                                            <p:cond delay="0"/>
-                                          </p:stCondLst>
-                                        </p:cTn>
-                                        <p:tgtEl>
-                                          <p:spTgt spid="44"/>
-                                        </p:tgtEl>
-                                        <p:attrNameLst>
-                                          <p:attrName>style.visibility</p:attrName>
-                                        </p:attrNameLst>
-                                      </p:cBhvr>
-                                      <p:to>
-                                        <p:strVal val="visible"/>
-                                      </p:to>
-                                    </p:set>
-                                    <p:animEffect transition="in" filter="fade">
-                                      <p:cBhvr>
-                                        <p:cTn id="20" dur="500"/>
-                                        <p:tgtEl>
-                                          <p:spTgt spid="44"/>
-                                        </p:tgtEl>
-                                      </p:cBhvr>
-                                    </p:animEffect>
-                                  </p:childTnLst>
-                                </p:cTn>
-                              </p:par>
-                            </p:childTnLst>
-                          </p:cTn>
-                        </p:par>
-                      </p:childTnLst>
-                    </p:cTn>
-                  </p:par>
-                </p:childTnLst>
-              </p:cTn>
-              <p:prevCondLst>
-                <p:cond evt="onPrev" delay="0">
-                  <p:tgtEl>
-                    <p:sldTgt/>
-                  </p:tgtEl>
-                </p:cond>
-              </p:prevCondLst>
-              <p:nextCondLst>
-                <p:cond evt="onNext" delay="0">
-                  <p:tgtEl>
-                    <p:sldTgt/>
-                  </p:tgtEl>
-                </p:cond>
-              </p:nextCondLst>
-            </p:seq>
-          </p:childTnLst>
-        </p:cTn>
-      </p:par>
-    </p:tnLst>
-    <p:bldLst>
-      <p:bldP spid="14" grpId="0"/>
-      <p:bldP spid="16" grpId="0"/>
-      <p:bldP spid="44" grpId="0"/>
-    </p:bldLst>
-  </p:timing>
 </p:sld>
 </file>
 
@@ -6347,7 +6118,7 @@
         </p:nvGraphicFramePr>
         <p:xfrm>
           <a:off x="5341643" y="4420020"/>
-          <a:ext cx="12946359" cy="3243431"/>
+          <a:ext cx="12946359" cy="3139676"/>
         </p:xfrm>
         <a:graphic>
           <a:graphicData uri="http://schemas.openxmlformats.org/drawingml/2006/table">
@@ -7347,36 +7118,6 @@
       </p:graphicFrame>
       <p:pic>
         <p:nvPicPr>
-          <p:cNvPr id="6" name="Imagem 5">
-            <a:extLst>
-              <a:ext uri="{FF2B5EF4-FFF2-40B4-BE49-F238E27FC236}">
-                <a16:creationId xmlns:a16="http://schemas.microsoft.com/office/drawing/2014/main" id="{D0322F34-1D34-4CD9-B197-21E95A0D8BB4}"/>
-              </a:ext>
-            </a:extLst>
-          </p:cNvPr>
-          <p:cNvPicPr>
-            <a:picLocks noChangeAspect="1"/>
-          </p:cNvPicPr>
-          <p:nvPr/>
-        </p:nvPicPr>
-        <p:blipFill>
-          <a:blip r:embed="rId3"/>
-          <a:stretch>
-            <a:fillRect/>
-          </a:stretch>
-        </p:blipFill>
-        <p:spPr>
-          <a:xfrm>
-            <a:off x="8763000" y="7633931"/>
-            <a:ext cx="6474513" cy="859611"/>
-          </a:xfrm>
-          <a:prstGeom prst="rect">
-            <a:avLst/>
-          </a:prstGeom>
-        </p:spPr>
-      </p:pic>
-      <p:pic>
-        <p:nvPicPr>
           <p:cNvPr id="13" name="Imagem 12">
             <a:extLst>
               <a:ext uri="{FF2B5EF4-FFF2-40B4-BE49-F238E27FC236}">
@@ -7390,7 +7131,7 @@
           <p:nvPr/>
         </p:nvPicPr>
         <p:blipFill>
-          <a:blip r:embed="rId4">
+          <a:blip r:embed="rId3">
             <a:extLst>
               <a:ext uri="{28A0092B-C50C-407E-A947-70E740481C1C}">
                 <a14:useLocalDpi xmlns:a14="http://schemas.microsoft.com/office/drawing/2010/main" val="0"/>
@@ -7411,6 +7152,50 @@
           </a:prstGeom>
         </p:spPr>
       </p:pic>
+      <p:sp>
+        <p:nvSpPr>
+          <p:cNvPr id="11" name="TextBox 9">
+            <a:extLst>
+              <a:ext uri="{FF2B5EF4-FFF2-40B4-BE49-F238E27FC236}">
+                <a16:creationId xmlns:a16="http://schemas.microsoft.com/office/drawing/2014/main" id="{B574D8AB-BE0B-465A-9A9B-7F80DEEEEDA5}"/>
+              </a:ext>
+            </a:extLst>
+          </p:cNvPr>
+          <p:cNvSpPr txBox="1"/>
+          <p:nvPr/>
+        </p:nvSpPr>
+        <p:spPr>
+          <a:xfrm>
+            <a:off x="9144000" y="8004804"/>
+            <a:ext cx="6203366" cy="436017"/>
+          </a:xfrm>
+          <a:prstGeom prst="rect">
+            <a:avLst/>
+          </a:prstGeom>
+        </p:spPr>
+        <p:txBody>
+          <a:bodyPr wrap="square" lIns="0" tIns="0" rIns="0" bIns="0" rtlCol="0" anchor="t">
+            <a:spAutoFit/>
+          </a:bodyPr>
+          <a:lstStyle/>
+          <a:p>
+            <a:pPr>
+              <a:lnSpc>
+                <a:spcPts val="3359"/>
+              </a:lnSpc>
+            </a:pPr>
+            <a:r>
+              <a:rPr lang="pt-BR" sz="3200" dirty="0">
+                <a:latin typeface="Muli Regular"/>
+              </a:rPr>
+              <a:t>Umidade do ar entre 60 a 80%.</a:t>
+            </a:r>
+            <a:endParaRPr lang="en-US" sz="3200" dirty="0">
+              <a:latin typeface="Muli Regular"/>
+            </a:endParaRPr>
+          </a:p>
+        </p:txBody>
+      </p:sp>
     </p:spTree>
     <p:extLst>
       <p:ext uri="{BB962C8B-B14F-4D97-AF65-F5344CB8AC3E}">
@@ -7421,181 +7206,6 @@
   <p:clrMapOvr>
     <a:masterClrMapping/>
   </p:clrMapOvr>
-  <p:timing>
-    <p:tnLst>
-      <p:par>
-        <p:cTn id="1" dur="indefinite" restart="never" nodeType="tmRoot">
-          <p:childTnLst>
-            <p:seq concurrent="1" nextAc="seek">
-              <p:cTn id="2" dur="indefinite" nodeType="mainSeq">
-                <p:childTnLst>
-                  <p:par>
-                    <p:cTn id="3" fill="hold">
-                      <p:stCondLst>
-                        <p:cond delay="indefinite"/>
-                      </p:stCondLst>
-                      <p:childTnLst>
-                        <p:par>
-                          <p:cTn id="4" fill="hold">
-                            <p:stCondLst>
-                              <p:cond delay="0"/>
-                            </p:stCondLst>
-                            <p:childTnLst>
-                              <p:par>
-                                <p:cTn id="5" presetID="10" presetClass="entr" presetSubtype="0" fill="hold" grpId="0" nodeType="clickEffect">
-                                  <p:stCondLst>
-                                    <p:cond delay="0"/>
-                                  </p:stCondLst>
-                                  <p:childTnLst>
-                                    <p:set>
-                                      <p:cBhvr>
-                                        <p:cTn id="6" dur="1" fill="hold">
-                                          <p:stCondLst>
-                                            <p:cond delay="0"/>
-                                          </p:stCondLst>
-                                        </p:cTn>
-                                        <p:tgtEl>
-                                          <p:spTgt spid="7"/>
-                                        </p:tgtEl>
-                                        <p:attrNameLst>
-                                          <p:attrName>style.visibility</p:attrName>
-                                        </p:attrNameLst>
-                                      </p:cBhvr>
-                                      <p:to>
-                                        <p:strVal val="visible"/>
-                                      </p:to>
-                                    </p:set>
-                                    <p:animEffect transition="in" filter="fade">
-                                      <p:cBhvr>
-                                        <p:cTn id="7" dur="500"/>
-                                        <p:tgtEl>
-                                          <p:spTgt spid="7"/>
-                                        </p:tgtEl>
-                                      </p:cBhvr>
-                                    </p:animEffect>
-                                  </p:childTnLst>
-                                </p:cTn>
-                              </p:par>
-                            </p:childTnLst>
-                          </p:cTn>
-                        </p:par>
-                      </p:childTnLst>
-                    </p:cTn>
-                  </p:par>
-                  <p:par>
-                    <p:cTn id="8" fill="hold">
-                      <p:stCondLst>
-                        <p:cond delay="indefinite"/>
-                      </p:stCondLst>
-                      <p:childTnLst>
-                        <p:par>
-                          <p:cTn id="9" fill="hold">
-                            <p:stCondLst>
-                              <p:cond delay="0"/>
-                            </p:stCondLst>
-                            <p:childTnLst>
-                              <p:par>
-                                <p:cTn id="10" presetID="10" presetClass="entr" presetSubtype="0" fill="hold" grpId="0" nodeType="clickEffect">
-                                  <p:stCondLst>
-                                    <p:cond delay="0"/>
-                                  </p:stCondLst>
-                                  <p:childTnLst>
-                                    <p:set>
-                                      <p:cBhvr>
-                                        <p:cTn id="11" dur="1" fill="hold">
-                                          <p:stCondLst>
-                                            <p:cond delay="0"/>
-                                          </p:stCondLst>
-                                        </p:cTn>
-                                        <p:tgtEl>
-                                          <p:spTgt spid="9"/>
-                                        </p:tgtEl>
-                                        <p:attrNameLst>
-                                          <p:attrName>style.visibility</p:attrName>
-                                        </p:attrNameLst>
-                                      </p:cBhvr>
-                                      <p:to>
-                                        <p:strVal val="visible"/>
-                                      </p:to>
-                                    </p:set>
-                                    <p:animEffect transition="in" filter="fade">
-                                      <p:cBhvr>
-                                        <p:cTn id="12" dur="500"/>
-                                        <p:tgtEl>
-                                          <p:spTgt spid="9"/>
-                                        </p:tgtEl>
-                                      </p:cBhvr>
-                                    </p:animEffect>
-                                  </p:childTnLst>
-                                </p:cTn>
-                              </p:par>
-                              <p:par>
-                                <p:cTn id="13" presetID="10" presetClass="entr" presetSubtype="0" fill="hold" nodeType="withEffect">
-                                  <p:stCondLst>
-                                    <p:cond delay="0"/>
-                                  </p:stCondLst>
-                                  <p:childTnLst>
-                                    <p:set>
-                                      <p:cBhvr>
-                                        <p:cTn id="14" dur="1" fill="hold">
-                                          <p:stCondLst>
-                                            <p:cond delay="0"/>
-                                          </p:stCondLst>
-                                        </p:cTn>
-                                        <p:tgtEl>
-                                          <p:spTgt spid="3"/>
-                                        </p:tgtEl>
-                                        <p:attrNameLst>
-                                          <p:attrName>style.visibility</p:attrName>
-                                        </p:attrNameLst>
-                                      </p:cBhvr>
-                                      <p:to>
-                                        <p:strVal val="visible"/>
-                                      </p:to>
-                                    </p:set>
-                                    <p:animEffect transition="in" filter="fade">
-                                      <p:cBhvr>
-                                        <p:cTn id="15" dur="500"/>
-                                        <p:tgtEl>
-                                          <p:spTgt spid="3"/>
-                                        </p:tgtEl>
-                                      </p:cBhvr>
-                                    </p:animEffect>
-                                  </p:childTnLst>
-                                </p:cTn>
-                              </p:par>
-                            </p:childTnLst>
-                          </p:cTn>
-                        </p:par>
-                      </p:childTnLst>
-                    </p:cTn>
-                  </p:par>
-                </p:childTnLst>
-              </p:cTn>
-              <p:prevCondLst>
-                <p:cond evt="onPrev" delay="0">
-                  <p:tgtEl>
-                    <p:sldTgt/>
-                  </p:tgtEl>
-                </p:cond>
-              </p:prevCondLst>
-              <p:nextCondLst>
-                <p:cond evt="onNext" delay="0">
-                  <p:tgtEl>
-                    <p:sldTgt/>
-                  </p:tgtEl>
-                </p:cond>
-              </p:nextCondLst>
-            </p:seq>
-          </p:childTnLst>
-        </p:cTn>
-      </p:par>
-    </p:tnLst>
-    <p:bldLst>
-      <p:bldP spid="7" grpId="0"/>
-      <p:bldP spid="9" grpId="0"/>
-    </p:bldLst>
-  </p:timing>
 </p:sld>
 </file>
 
@@ -8177,270 +7787,6 @@
   <p:clrMapOvr>
     <a:masterClrMapping/>
   </p:clrMapOvr>
-  <p:timing>
-    <p:tnLst>
-      <p:par>
-        <p:cTn id="1" dur="indefinite" restart="never" nodeType="tmRoot">
-          <p:childTnLst>
-            <p:seq concurrent="1" nextAc="seek">
-              <p:cTn id="2" dur="indefinite" nodeType="mainSeq">
-                <p:childTnLst>
-                  <p:par>
-                    <p:cTn id="3" fill="hold">
-                      <p:stCondLst>
-                        <p:cond delay="indefinite"/>
-                      </p:stCondLst>
-                      <p:childTnLst>
-                        <p:par>
-                          <p:cTn id="4" fill="hold">
-                            <p:stCondLst>
-                              <p:cond delay="0"/>
-                            </p:stCondLst>
-                            <p:childTnLst>
-                              <p:par>
-                                <p:cTn id="5" presetID="10" presetClass="entr" presetSubtype="0" fill="hold" grpId="0" nodeType="clickEffect">
-                                  <p:stCondLst>
-                                    <p:cond delay="0"/>
-                                  </p:stCondLst>
-                                  <p:childTnLst>
-                                    <p:set>
-                                      <p:cBhvr>
-                                        <p:cTn id="6" dur="1" fill="hold">
-                                          <p:stCondLst>
-                                            <p:cond delay="0"/>
-                                          </p:stCondLst>
-                                        </p:cTn>
-                                        <p:tgtEl>
-                                          <p:spTgt spid="13"/>
-                                        </p:tgtEl>
-                                        <p:attrNameLst>
-                                          <p:attrName>style.visibility</p:attrName>
-                                        </p:attrNameLst>
-                                      </p:cBhvr>
-                                      <p:to>
-                                        <p:strVal val="visible"/>
-                                      </p:to>
-                                    </p:set>
-                                    <p:animEffect transition="in" filter="fade">
-                                      <p:cBhvr>
-                                        <p:cTn id="7" dur="500"/>
-                                        <p:tgtEl>
-                                          <p:spTgt spid="13"/>
-                                        </p:tgtEl>
-                                      </p:cBhvr>
-                                    </p:animEffect>
-                                  </p:childTnLst>
-                                </p:cTn>
-                              </p:par>
-                            </p:childTnLst>
-                          </p:cTn>
-                        </p:par>
-                      </p:childTnLst>
-                    </p:cTn>
-                  </p:par>
-                  <p:par>
-                    <p:cTn id="8" fill="hold">
-                      <p:stCondLst>
-                        <p:cond delay="indefinite"/>
-                      </p:stCondLst>
-                      <p:childTnLst>
-                        <p:par>
-                          <p:cTn id="9" fill="hold">
-                            <p:stCondLst>
-                              <p:cond delay="0"/>
-                            </p:stCondLst>
-                            <p:childTnLst>
-                              <p:par>
-                                <p:cTn id="10" presetID="10" presetClass="entr" presetSubtype="0" fill="hold" grpId="0" nodeType="clickEffect">
-                                  <p:stCondLst>
-                                    <p:cond delay="0"/>
-                                  </p:stCondLst>
-                                  <p:childTnLst>
-                                    <p:set>
-                                      <p:cBhvr>
-                                        <p:cTn id="11" dur="1" fill="hold">
-                                          <p:stCondLst>
-                                            <p:cond delay="0"/>
-                                          </p:stCondLst>
-                                        </p:cTn>
-                                        <p:tgtEl>
-                                          <p:spTgt spid="21"/>
-                                        </p:tgtEl>
-                                        <p:attrNameLst>
-                                          <p:attrName>style.visibility</p:attrName>
-                                        </p:attrNameLst>
-                                      </p:cBhvr>
-                                      <p:to>
-                                        <p:strVal val="visible"/>
-                                      </p:to>
-                                    </p:set>
-                                    <p:animEffect transition="in" filter="fade">
-                                      <p:cBhvr>
-                                        <p:cTn id="12" dur="500"/>
-                                        <p:tgtEl>
-                                          <p:spTgt spid="21"/>
-                                        </p:tgtEl>
-                                      </p:cBhvr>
-                                    </p:animEffect>
-                                  </p:childTnLst>
-                                </p:cTn>
-                              </p:par>
-                            </p:childTnLst>
-                          </p:cTn>
-                        </p:par>
-                      </p:childTnLst>
-                    </p:cTn>
-                  </p:par>
-                  <p:par>
-                    <p:cTn id="13" fill="hold">
-                      <p:stCondLst>
-                        <p:cond delay="indefinite"/>
-                      </p:stCondLst>
-                      <p:childTnLst>
-                        <p:par>
-                          <p:cTn id="14" fill="hold">
-                            <p:stCondLst>
-                              <p:cond delay="0"/>
-                            </p:stCondLst>
-                            <p:childTnLst>
-                              <p:par>
-                                <p:cTn id="15" presetID="10" presetClass="entr" presetSubtype="0" fill="hold" grpId="0" nodeType="clickEffect">
-                                  <p:stCondLst>
-                                    <p:cond delay="0"/>
-                                  </p:stCondLst>
-                                  <p:childTnLst>
-                                    <p:set>
-                                      <p:cBhvr>
-                                        <p:cTn id="16" dur="1" fill="hold">
-                                          <p:stCondLst>
-                                            <p:cond delay="0"/>
-                                          </p:stCondLst>
-                                        </p:cTn>
-                                        <p:tgtEl>
-                                          <p:spTgt spid="27"/>
-                                        </p:tgtEl>
-                                        <p:attrNameLst>
-                                          <p:attrName>style.visibility</p:attrName>
-                                        </p:attrNameLst>
-                                      </p:cBhvr>
-                                      <p:to>
-                                        <p:strVal val="visible"/>
-                                      </p:to>
-                                    </p:set>
-                                    <p:animEffect transition="in" filter="fade">
-                                      <p:cBhvr>
-                                        <p:cTn id="17" dur="500"/>
-                                        <p:tgtEl>
-                                          <p:spTgt spid="27"/>
-                                        </p:tgtEl>
-                                      </p:cBhvr>
-                                    </p:animEffect>
-                                  </p:childTnLst>
-                                </p:cTn>
-                              </p:par>
-                              <p:par>
-                                <p:cTn id="18" presetID="10" presetClass="entr" presetSubtype="0" fill="hold" nodeType="withEffect">
-                                  <p:stCondLst>
-                                    <p:cond delay="0"/>
-                                  </p:stCondLst>
-                                  <p:childTnLst>
-                                    <p:set>
-                                      <p:cBhvr>
-                                        <p:cTn id="19" dur="1" fill="hold">
-                                          <p:stCondLst>
-                                            <p:cond delay="0"/>
-                                          </p:stCondLst>
-                                        </p:cTn>
-                                        <p:tgtEl>
-                                          <p:spTgt spid="24"/>
-                                        </p:tgtEl>
-                                        <p:attrNameLst>
-                                          <p:attrName>style.visibility</p:attrName>
-                                        </p:attrNameLst>
-                                      </p:cBhvr>
-                                      <p:to>
-                                        <p:strVal val="visible"/>
-                                      </p:to>
-                                    </p:set>
-                                    <p:animEffect transition="in" filter="fade">
-                                      <p:cBhvr>
-                                        <p:cTn id="20" dur="500"/>
-                                        <p:tgtEl>
-                                          <p:spTgt spid="24"/>
-                                        </p:tgtEl>
-                                      </p:cBhvr>
-                                    </p:animEffect>
-                                  </p:childTnLst>
-                                </p:cTn>
-                              </p:par>
-                              <p:par>
-                                <p:cTn id="21" presetID="10" presetClass="entr" presetSubtype="0" fill="hold" nodeType="withEffect">
-                                  <p:stCondLst>
-                                    <p:cond delay="0"/>
-                                  </p:stCondLst>
-                                  <p:childTnLst>
-                                    <p:set>
-                                      <p:cBhvr>
-                                        <p:cTn id="22" dur="1" fill="hold">
-                                          <p:stCondLst>
-                                            <p:cond delay="0"/>
-                                          </p:stCondLst>
-                                        </p:cTn>
-                                        <p:tgtEl>
-                                          <p:spTgt spid="26"/>
-                                        </p:tgtEl>
-                                        <p:attrNameLst>
-                                          <p:attrName>style.visibility</p:attrName>
-                                        </p:attrNameLst>
-                                      </p:cBhvr>
-                                      <p:to>
-                                        <p:strVal val="visible"/>
-                                      </p:to>
-                                    </p:set>
-                                    <p:animEffect transition="in" filter="fade">
-                                      <p:cBhvr>
-                                        <p:cTn id="23" dur="500"/>
-                                        <p:tgtEl>
-                                          <p:spTgt spid="26"/>
-                                        </p:tgtEl>
-                                      </p:cBhvr>
-                                    </p:animEffect>
-                                  </p:childTnLst>
-                                </p:cTn>
-                              </p:par>
-                            </p:childTnLst>
-                          </p:cTn>
-                        </p:par>
-                      </p:childTnLst>
-                    </p:cTn>
-                  </p:par>
-                </p:childTnLst>
-              </p:cTn>
-              <p:prevCondLst>
-                <p:cond evt="onPrev" delay="0">
-                  <p:tgtEl>
-                    <p:sldTgt/>
-                  </p:tgtEl>
-                </p:cond>
-              </p:prevCondLst>
-              <p:nextCondLst>
-                <p:cond evt="onNext" delay="0">
-                  <p:tgtEl>
-                    <p:sldTgt/>
-                  </p:tgtEl>
-                </p:cond>
-              </p:nextCondLst>
-            </p:seq>
-          </p:childTnLst>
-        </p:cTn>
-      </p:par>
-    </p:tnLst>
-    <p:bldLst>
-      <p:bldP spid="13" grpId="0"/>
-      <p:bldP spid="21" grpId="0"/>
-      <p:bldP spid="27" grpId="0"/>
-    </p:bldLst>
-  </p:timing>
 </p:sld>
 </file>
 
@@ -9012,10 +8358,10 @@
       </p:pic>
       <p:pic>
         <p:nvPicPr>
-          <p:cNvPr id="5" name="Imagem 4">
+          <p:cNvPr id="3" name="Imagem 2">
             <a:extLst>
               <a:ext uri="{FF2B5EF4-FFF2-40B4-BE49-F238E27FC236}">
-                <a16:creationId xmlns:a16="http://schemas.microsoft.com/office/drawing/2014/main" id="{EE9694B8-B091-4660-AA44-26E481084039}"/>
+                <a16:creationId xmlns:a16="http://schemas.microsoft.com/office/drawing/2014/main" id="{ADE11553-B5BC-4CF7-BEF6-6EB99A018FB7}"/>
               </a:ext>
             </a:extLst>
           </p:cNvPr>
@@ -9038,8 +8384,8 @@
         </p:blipFill>
         <p:spPr>
           <a:xfrm>
-            <a:off x="2133600" y="800100"/>
-            <a:ext cx="14020800" cy="7886701"/>
+            <a:off x="1811124" y="627815"/>
+            <a:ext cx="14665752" cy="8249485"/>
           </a:xfrm>
           <a:prstGeom prst="rect">
             <a:avLst/>
@@ -9122,10 +8468,10 @@
       </p:pic>
       <p:pic>
         <p:nvPicPr>
-          <p:cNvPr id="8" name="Imagem 7">
+          <p:cNvPr id="3" name="Imagem 2">
             <a:extLst>
               <a:ext uri="{FF2B5EF4-FFF2-40B4-BE49-F238E27FC236}">
-                <a16:creationId xmlns:a16="http://schemas.microsoft.com/office/drawing/2014/main" id="{7E0FEEF1-AF4E-42AC-A33B-F662B725D689}"/>
+                <a16:creationId xmlns:a16="http://schemas.microsoft.com/office/drawing/2014/main" id="{D709D632-1A6F-4DED-A478-90B8AD4E7299}"/>
               </a:ext>
             </a:extLst>
           </p:cNvPr>
@@ -9148,8 +8494,8 @@
         </p:blipFill>
         <p:spPr>
           <a:xfrm>
-            <a:off x="2336799" y="723900"/>
-            <a:ext cx="14088533" cy="7924800"/>
+            <a:off x="1695735" y="498003"/>
+            <a:ext cx="14896529" cy="8379297"/>
           </a:xfrm>
           <a:prstGeom prst="rect">
             <a:avLst/>

--- a/Documentação/SixSolucionApre.pptx
+++ b/Documentação/SixSolucionApre.pptx
@@ -5,7 +5,7 @@
     <p:sldMasterId id="2147483648" r:id="rId1"/>
   </p:sldMasterIdLst>
   <p:notesMasterIdLst>
-    <p:notesMasterId r:id="rId18"/>
+    <p:notesMasterId r:id="rId19"/>
   </p:notesMasterIdLst>
   <p:sldIdLst>
     <p:sldId id="257" r:id="rId2"/>
@@ -24,28 +24,29 @@
     <p:sldId id="288" r:id="rId15"/>
     <p:sldId id="282" r:id="rId16"/>
     <p:sldId id="284" r:id="rId17"/>
+    <p:sldId id="290" r:id="rId18"/>
   </p:sldIdLst>
   <p:sldSz cx="18288000" cy="10287000"/>
   <p:notesSz cx="6858000" cy="9144000"/>
   <p:embeddedFontLst>
     <p:embeddedFont>
       <p:font typeface="Calibri" panose="020F0502020204030204" pitchFamily="34" charset="0"/>
-      <p:regular r:id="rId19"/>
-      <p:bold r:id="rId20"/>
-      <p:italic r:id="rId21"/>
-      <p:boldItalic r:id="rId22"/>
+      <p:regular r:id="rId20"/>
+      <p:bold r:id="rId21"/>
+      <p:italic r:id="rId22"/>
+      <p:boldItalic r:id="rId23"/>
     </p:embeddedFont>
     <p:embeddedFont>
       <p:font typeface="Muli Black" panose="020B0604020202020204" charset="0"/>
-      <p:regular r:id="rId23"/>
+      <p:regular r:id="rId24"/>
     </p:embeddedFont>
     <p:embeddedFont>
       <p:font typeface="Muli Regular" panose="020B0604020202020204" charset="0"/>
-      <p:regular r:id="rId24"/>
+      <p:regular r:id="rId25"/>
     </p:embeddedFont>
     <p:embeddedFont>
       <p:font typeface="Muli Regular Bold" panose="020B0604020202020204" charset="0"/>
-      <p:regular r:id="rId25"/>
+      <p:regular r:id="rId26"/>
     </p:embeddedFont>
   </p:embeddedFontLst>
   <p:defaultTextStyle>
@@ -144,6 +145,31 @@
     </a:lvl9pPr>
   </p:defaultTextStyle>
   <p:extLst>
+    <p:ext uri="{521415D9-36F7-43E2-AB2F-B90AF26B5E84}">
+      <p14:sectionLst xmlns:p14="http://schemas.microsoft.com/office/powerpoint/2010/main">
+        <p14:section name="Seção Padrão" id="{6A54AC5C-77EE-4919-9C24-6530F00E60C6}">
+          <p14:sldIdLst>
+            <p14:sldId id="257"/>
+            <p14:sldId id="280"/>
+            <p14:sldId id="270"/>
+            <p14:sldId id="281"/>
+            <p14:sldId id="259"/>
+            <p14:sldId id="276"/>
+            <p14:sldId id="277"/>
+            <p14:sldId id="278"/>
+            <p14:sldId id="279"/>
+            <p14:sldId id="283"/>
+            <p14:sldId id="285"/>
+            <p14:sldId id="286"/>
+            <p14:sldId id="287"/>
+            <p14:sldId id="288"/>
+            <p14:sldId id="282"/>
+            <p14:sldId id="284"/>
+            <p14:sldId id="290"/>
+          </p14:sldIdLst>
+        </p14:section>
+      </p14:sectionLst>
+    </p:ext>
     <p:ext uri="{EFAFB233-063F-42B5-8137-9DF3F51BA10A}">
       <p15:sldGuideLst xmlns:p15="http://schemas.microsoft.com/office/powerpoint/2012/main">
         <p15:guide id="1" orient="horz" pos="2160">
@@ -10911,7 +10937,7 @@
           <a:p>
             <a:fld id="{B7268E1E-0E44-426D-905E-8AD9B19D2182}" type="datetimeFigureOut">
               <a:rPr lang="cs-CZ" smtClean="0"/>
-              <a:t>19.04.2021</a:t>
+              <a:t>20.4.2021</a:t>
             </a:fld>
             <a:endParaRPr lang="cs-CZ"/>
           </a:p>
@@ -11448,7 +11474,7 @@
             <a:fld id="{1D8BD707-D9CF-40AE-B4C6-C98DA3205C09}" type="datetimeFigureOut">
               <a:rPr lang="en-US" smtClean="0"/>
               <a:pPr/>
-              <a:t>4/19/2021</a:t>
+              <a:t>4/20/2021</a:t>
             </a:fld>
             <a:endParaRPr lang="en-US"/>
           </a:p>
@@ -11613,7 +11639,7 @@
             <a:fld id="{1D8BD707-D9CF-40AE-B4C6-C98DA3205C09}" type="datetimeFigureOut">
               <a:rPr lang="en-US" smtClean="0"/>
               <a:pPr/>
-              <a:t>4/19/2021</a:t>
+              <a:t>4/20/2021</a:t>
             </a:fld>
             <a:endParaRPr lang="en-US"/>
           </a:p>
@@ -11788,7 +11814,7 @@
             <a:fld id="{1D8BD707-D9CF-40AE-B4C6-C98DA3205C09}" type="datetimeFigureOut">
               <a:rPr lang="en-US" smtClean="0"/>
               <a:pPr/>
-              <a:t>4/19/2021</a:t>
+              <a:t>4/20/2021</a:t>
             </a:fld>
             <a:endParaRPr lang="en-US"/>
           </a:p>
@@ -11953,7 +11979,7 @@
             <a:fld id="{1D8BD707-D9CF-40AE-B4C6-C98DA3205C09}" type="datetimeFigureOut">
               <a:rPr lang="en-US" smtClean="0"/>
               <a:pPr/>
-              <a:t>4/19/2021</a:t>
+              <a:t>4/20/2021</a:t>
             </a:fld>
             <a:endParaRPr lang="en-US"/>
           </a:p>
@@ -12195,7 +12221,7 @@
             <a:fld id="{1D8BD707-D9CF-40AE-B4C6-C98DA3205C09}" type="datetimeFigureOut">
               <a:rPr lang="en-US" smtClean="0"/>
               <a:pPr/>
-              <a:t>4/19/2021</a:t>
+              <a:t>4/20/2021</a:t>
             </a:fld>
             <a:endParaRPr lang="en-US"/>
           </a:p>
@@ -12477,7 +12503,7 @@
             <a:fld id="{1D8BD707-D9CF-40AE-B4C6-C98DA3205C09}" type="datetimeFigureOut">
               <a:rPr lang="en-US" smtClean="0"/>
               <a:pPr/>
-              <a:t>4/19/2021</a:t>
+              <a:t>4/20/2021</a:t>
             </a:fld>
             <a:endParaRPr lang="en-US"/>
           </a:p>
@@ -12893,7 +12919,7 @@
             <a:fld id="{1D8BD707-D9CF-40AE-B4C6-C98DA3205C09}" type="datetimeFigureOut">
               <a:rPr lang="en-US" smtClean="0"/>
               <a:pPr/>
-              <a:t>4/19/2021</a:t>
+              <a:t>4/20/2021</a:t>
             </a:fld>
             <a:endParaRPr lang="en-US"/>
           </a:p>
@@ -13007,7 +13033,7 @@
             <a:fld id="{1D8BD707-D9CF-40AE-B4C6-C98DA3205C09}" type="datetimeFigureOut">
               <a:rPr lang="en-US" smtClean="0"/>
               <a:pPr/>
-              <a:t>4/19/2021</a:t>
+              <a:t>4/20/2021</a:t>
             </a:fld>
             <a:endParaRPr lang="en-US"/>
           </a:p>
@@ -13099,7 +13125,7 @@
             <a:fld id="{1D8BD707-D9CF-40AE-B4C6-C98DA3205C09}" type="datetimeFigureOut">
               <a:rPr lang="en-US" smtClean="0"/>
               <a:pPr/>
-              <a:t>4/19/2021</a:t>
+              <a:t>4/20/2021</a:t>
             </a:fld>
             <a:endParaRPr lang="en-US"/>
           </a:p>
@@ -13371,7 +13397,7 @@
             <a:fld id="{1D8BD707-D9CF-40AE-B4C6-C98DA3205C09}" type="datetimeFigureOut">
               <a:rPr lang="en-US" smtClean="0"/>
               <a:pPr/>
-              <a:t>4/19/2021</a:t>
+              <a:t>4/20/2021</a:t>
             </a:fld>
             <a:endParaRPr lang="en-US"/>
           </a:p>
@@ -13620,7 +13646,7 @@
             <a:fld id="{1D8BD707-D9CF-40AE-B4C6-C98DA3205C09}" type="datetimeFigureOut">
               <a:rPr lang="en-US" smtClean="0"/>
               <a:pPr/>
-              <a:t>4/19/2021</a:t>
+              <a:t>4/20/2021</a:t>
             </a:fld>
             <a:endParaRPr lang="en-US"/>
           </a:p>
@@ -13828,7 +13854,7 @@
             <a:fld id="{1D8BD707-D9CF-40AE-B4C6-C98DA3205C09}" type="datetimeFigureOut">
               <a:rPr lang="en-US" smtClean="0"/>
               <a:pPr/>
-              <a:t>4/19/2021</a:t>
+              <a:t>4/20/2021</a:t>
             </a:fld>
             <a:endParaRPr lang="en-US"/>
           </a:p>
@@ -15437,6 +15463,118 @@
     <p:extLst>
       <p:ext uri="{BB962C8B-B14F-4D97-AF65-F5344CB8AC3E}">
         <p14:creationId xmlns:p14="http://schemas.microsoft.com/office/powerpoint/2010/main" val="2808166726"/>
+      </p:ext>
+    </p:extLst>
+  </p:cSld>
+  <p:clrMapOvr>
+    <a:masterClrMapping/>
+  </p:clrMapOvr>
+</p:sld>
+</file>
+
+<file path=ppt/slides/slide17.xml><?xml version="1.0" encoding="utf-8"?>
+<p:sld xmlns:a="http://schemas.openxmlformats.org/drawingml/2006/main" xmlns:r="http://schemas.openxmlformats.org/officeDocument/2006/relationships" xmlns:p="http://schemas.openxmlformats.org/presentationml/2006/main">
+  <p:cSld>
+    <p:bg>
+      <p:bgPr>
+        <a:solidFill>
+          <a:srgbClr val="DEFCD4"/>
+        </a:solidFill>
+        <a:effectLst/>
+      </p:bgPr>
+    </p:bg>
+    <p:spTree>
+      <p:nvGrpSpPr>
+        <p:cNvPr id="1" name=""/>
+        <p:cNvGrpSpPr/>
+        <p:nvPr/>
+      </p:nvGrpSpPr>
+      <p:grpSpPr>
+        <a:xfrm>
+          <a:off x="0" y="0"/>
+          <a:ext cx="0" cy="0"/>
+          <a:chOff x="0" y="0"/>
+          <a:chExt cx="0" cy="0"/>
+        </a:xfrm>
+      </p:grpSpPr>
+      <p:sp>
+        <p:nvSpPr>
+          <p:cNvPr id="7" name="TextBox 4">
+            <a:extLst>
+              <a:ext uri="{FF2B5EF4-FFF2-40B4-BE49-F238E27FC236}">
+                <a16:creationId xmlns:a16="http://schemas.microsoft.com/office/drawing/2014/main" id="{BFFC3F69-2C2A-4B60-AA10-5D292BE915AE}"/>
+              </a:ext>
+            </a:extLst>
+          </p:cNvPr>
+          <p:cNvSpPr txBox="1"/>
+          <p:nvPr/>
+        </p:nvSpPr>
+        <p:spPr>
+          <a:xfrm>
+            <a:off x="3777206" y="5753100"/>
+            <a:ext cx="10733587" cy="1673215"/>
+          </a:xfrm>
+          <a:prstGeom prst="rect">
+            <a:avLst/>
+          </a:prstGeom>
+        </p:spPr>
+        <p:txBody>
+          <a:bodyPr wrap="square" lIns="0" tIns="0" rIns="0" bIns="0" rtlCol="0" anchor="t">
+            <a:spAutoFit/>
+          </a:bodyPr>
+          <a:lstStyle/>
+          <a:p>
+            <a:pPr algn="ctr">
+              <a:lnSpc>
+                <a:spcPts val="6759"/>
+              </a:lnSpc>
+            </a:pPr>
+            <a:r>
+              <a:rPr lang="pt-BR" sz="4800" dirty="0">
+                <a:solidFill>
+                  <a:srgbClr val="54C286"/>
+                </a:solidFill>
+                <a:latin typeface="Muli Black" panose="020B0604020202020204" charset="0"/>
+              </a:rPr>
+              <a:t>A SixSolutions agradece a atenção de todos.</a:t>
+            </a:r>
+          </a:p>
+        </p:txBody>
+      </p:sp>
+      <p:pic>
+        <p:nvPicPr>
+          <p:cNvPr id="3" name="Imagem 2">
+            <a:extLst>
+              <a:ext uri="{FF2B5EF4-FFF2-40B4-BE49-F238E27FC236}">
+                <a16:creationId xmlns:a16="http://schemas.microsoft.com/office/drawing/2014/main" id="{D2DB5141-914E-412F-8111-059A9CCA1599}"/>
+              </a:ext>
+            </a:extLst>
+          </p:cNvPr>
+          <p:cNvPicPr>
+            <a:picLocks noChangeAspect="1"/>
+          </p:cNvPicPr>
+          <p:nvPr/>
+        </p:nvPicPr>
+        <p:blipFill>
+          <a:blip r:embed="rId2"/>
+          <a:stretch>
+            <a:fillRect/>
+          </a:stretch>
+        </p:blipFill>
+        <p:spPr>
+          <a:xfrm>
+            <a:off x="5562599" y="926308"/>
+            <a:ext cx="7162800" cy="4864892"/>
+          </a:xfrm>
+          <a:prstGeom prst="rect">
+            <a:avLst/>
+          </a:prstGeom>
+        </p:spPr>
+      </p:pic>
+    </p:spTree>
+    <p:extLst>
+      <p:ext uri="{BB962C8B-B14F-4D97-AF65-F5344CB8AC3E}">
+        <p14:creationId xmlns:p14="http://schemas.microsoft.com/office/powerpoint/2010/main" val="960543328"/>
       </p:ext>
     </p:extLst>
   </p:cSld>

--- a/Documentação/SixSolucionApre.pptx
+++ b/Documentação/SixSolucionApre.pptx
@@ -14468,36 +14468,6 @@
           </a:prstGeom>
         </p:spPr>
       </p:pic>
-      <p:pic>
-        <p:nvPicPr>
-          <p:cNvPr id="12" name="Imagem 11">
-            <a:extLst>
-              <a:ext uri="{FF2B5EF4-FFF2-40B4-BE49-F238E27FC236}">
-                <a16:creationId xmlns:a16="http://schemas.microsoft.com/office/drawing/2014/main" id="{01EAC085-681A-45EE-B90E-E9B5238422F2}"/>
-              </a:ext>
-            </a:extLst>
-          </p:cNvPr>
-          <p:cNvPicPr>
-            <a:picLocks noChangeAspect="1"/>
-          </p:cNvPicPr>
-          <p:nvPr/>
-        </p:nvPicPr>
-        <p:blipFill>
-          <a:blip r:embed="rId3"/>
-          <a:stretch>
-            <a:fillRect/>
-          </a:stretch>
-        </p:blipFill>
-        <p:spPr>
-          <a:xfrm>
-            <a:off x="974962" y="3065995"/>
-            <a:ext cx="16306800" cy="3429000"/>
-          </a:xfrm>
-          <a:prstGeom prst="rect">
-            <a:avLst/>
-          </a:prstGeom>
-        </p:spPr>
-      </p:pic>
       <p:sp>
         <p:nvSpPr>
           <p:cNvPr id="13" name="TextBox 4">
@@ -14575,10 +14545,10 @@
       </p:sp>
       <p:pic>
         <p:nvPicPr>
-          <p:cNvPr id="15" name="Imagem 14">
+          <p:cNvPr id="8" name="Imagem 7">
             <a:extLst>
               <a:ext uri="{FF2B5EF4-FFF2-40B4-BE49-F238E27FC236}">
-                <a16:creationId xmlns:a16="http://schemas.microsoft.com/office/drawing/2014/main" id="{6EA68B3E-4F46-4B19-8D58-C84C32ACD6B0}"/>
+                <a16:creationId xmlns:a16="http://schemas.microsoft.com/office/drawing/2014/main" id="{AA026AAA-7968-4FD3-8475-C27A03AD8D5E}"/>
               </a:ext>
             </a:extLst>
           </p:cNvPr>
@@ -14588,15 +14558,57 @@
           <p:nvPr/>
         </p:nvPicPr>
         <p:blipFill>
-          <a:blip r:embed="rId4"/>
+          <a:blip r:embed="rId3">
+            <a:extLst>
+              <a:ext uri="{28A0092B-C50C-407E-A947-70E740481C1C}">
+                <a14:useLocalDpi xmlns:a14="http://schemas.microsoft.com/office/drawing/2010/main" val="0"/>
+              </a:ext>
+            </a:extLst>
+          </a:blip>
           <a:stretch>
             <a:fillRect/>
           </a:stretch>
         </p:blipFill>
         <p:spPr>
           <a:xfrm>
-            <a:off x="2216352" y="7253219"/>
-            <a:ext cx="13855296" cy="1419361"/>
+            <a:off x="3278570" y="6743700"/>
+            <a:ext cx="11730860" cy="1218791"/>
+          </a:xfrm>
+          <a:prstGeom prst="rect">
+            <a:avLst/>
+          </a:prstGeom>
+        </p:spPr>
+      </p:pic>
+      <p:pic>
+        <p:nvPicPr>
+          <p:cNvPr id="10" name="Imagem 9">
+            <a:extLst>
+              <a:ext uri="{FF2B5EF4-FFF2-40B4-BE49-F238E27FC236}">
+                <a16:creationId xmlns:a16="http://schemas.microsoft.com/office/drawing/2014/main" id="{267A433E-057C-46E5-9BF4-56E421A9354D}"/>
+              </a:ext>
+            </a:extLst>
+          </p:cNvPr>
+          <p:cNvPicPr>
+            <a:picLocks noChangeAspect="1"/>
+          </p:cNvPicPr>
+          <p:nvPr/>
+        </p:nvPicPr>
+        <p:blipFill>
+          <a:blip r:embed="rId4">
+            <a:extLst>
+              <a:ext uri="{28A0092B-C50C-407E-A947-70E740481C1C}">
+                <a14:useLocalDpi xmlns:a14="http://schemas.microsoft.com/office/drawing/2010/main" val="0"/>
+              </a:ext>
+            </a:extLst>
+          </a:blip>
+          <a:stretch>
+            <a:fillRect/>
+          </a:stretch>
+        </p:blipFill>
+        <p:spPr>
+          <a:xfrm>
+            <a:off x="1663983" y="3169443"/>
+            <a:ext cx="14960033" cy="2909887"/>
           </a:xfrm>
           <a:prstGeom prst="rect">
             <a:avLst/>

--- a/Documentação/SixSolucionApre.pptx
+++ b/Documentação/SixSolucionApre.pptx
@@ -30,23 +30,23 @@
   <p:notesSz cx="6858000" cy="9144000"/>
   <p:embeddedFontLst>
     <p:embeddedFont>
-      <p:font typeface="Calibri" panose="020F0502020204030204" pitchFamily="34" charset="0"/>
+      <p:font typeface="Muli Regular" panose="020B0604020202020204" charset="0"/>
       <p:regular r:id="rId20"/>
-      <p:bold r:id="rId21"/>
-      <p:italic r:id="rId22"/>
-      <p:boldItalic r:id="rId23"/>
     </p:embeddedFont>
     <p:embeddedFont>
       <p:font typeface="Muli Black" panose="020B0604020202020204" charset="0"/>
-      <p:regular r:id="rId24"/>
-    </p:embeddedFont>
-    <p:embeddedFont>
-      <p:font typeface="Muli Regular" panose="020B0604020202020204" charset="0"/>
-      <p:regular r:id="rId25"/>
+      <p:regular r:id="rId21"/>
     </p:embeddedFont>
     <p:embeddedFont>
       <p:font typeface="Muli Regular Bold" panose="020B0604020202020204" charset="0"/>
-      <p:regular r:id="rId26"/>
+      <p:regular r:id="rId22"/>
+    </p:embeddedFont>
+    <p:embeddedFont>
+      <p:font typeface="Calibri" panose="020F0502020204030204" pitchFamily="34" charset="0"/>
+      <p:regular r:id="rId23"/>
+      <p:bold r:id="rId24"/>
+      <p:italic r:id="rId25"/>
+      <p:boldItalic r:id="rId26"/>
     </p:embeddedFont>
   </p:embeddedFontLst>
   <p:defaultTextStyle>
@@ -2209,6 +2209,7 @@
             <c:showLeaderLines val="0"/>
             <c:extLst>
               <c:ext xmlns:c15="http://schemas.microsoft.com/office/drawing/2012/chart" uri="{CE6537A1-D6FC-4f65-9D91-7224C49458BB}">
+                <c15:layout/>
                 <c15:showLeaderLines val="1"/>
                 <c15:leaderLines>
                   <c:spPr>
@@ -2336,6 +2337,7 @@
             <c:showLeaderLines val="0"/>
             <c:extLst>
               <c:ext xmlns:c15="http://schemas.microsoft.com/office/drawing/2012/chart" uri="{CE6537A1-D6FC-4f65-9D91-7224C49458BB}">
+                <c15:layout/>
                 <c15:showLeaderLines val="1"/>
                 <c15:leaderLines>
                   <c:spPr>
@@ -2463,6 +2465,7 @@
             <c:showLeaderLines val="0"/>
             <c:extLst>
               <c:ext xmlns:c15="http://schemas.microsoft.com/office/drawing/2012/chart" uri="{CE6537A1-D6FC-4f65-9D91-7224C49458BB}">
+                <c15:layout/>
                 <c15:showLeaderLines val="1"/>
                 <c15:leaderLines>
                   <c:spPr>
@@ -2590,6 +2593,7 @@
             <c:showLeaderLines val="0"/>
             <c:extLst>
               <c:ext xmlns:c15="http://schemas.microsoft.com/office/drawing/2012/chart" uri="{CE6537A1-D6FC-4f65-9D91-7224C49458BB}">
+                <c15:layout/>
                 <c15:showLeaderLines val="1"/>
                 <c15:leaderLines>
                   <c:spPr>
@@ -2717,6 +2721,7 @@
             <c:showLeaderLines val="0"/>
             <c:extLst>
               <c:ext xmlns:c15="http://schemas.microsoft.com/office/drawing/2012/chart" uri="{CE6537A1-D6FC-4f65-9D91-7224C49458BB}">
+                <c15:layout/>
                 <c15:showLeaderLines val="1"/>
                 <c15:leaderLines>
                   <c:spPr>
@@ -2886,6 +2891,7 @@
     </c:plotArea>
     <c:legend>
       <c:legendPos val="b"/>
+      <c:layout/>
       <c:overlay val="0"/>
       <c:spPr>
         <a:solidFill>
@@ -3011,6 +3017,7 @@
           </a:p>
         </c:rich>
       </c:tx>
+      <c:layout/>
       <c:overlay val="0"/>
       <c:spPr>
         <a:noFill/>
@@ -3121,6 +3128,7 @@
             <c:showLeaderLines val="0"/>
             <c:extLst>
               <c:ext xmlns:c15="http://schemas.microsoft.com/office/drawing/2012/chart" uri="{CE6537A1-D6FC-4f65-9D91-7224C49458BB}">
+                <c15:layout/>
                 <c15:showLeaderLines val="1"/>
                 <c15:leaderLines>
                   <c:spPr>
@@ -3245,6 +3253,7 @@
             <c:showLeaderLines val="0"/>
             <c:extLst>
               <c:ext xmlns:c15="http://schemas.microsoft.com/office/drawing/2012/chart" uri="{CE6537A1-D6FC-4f65-9D91-7224C49458BB}">
+                <c15:layout/>
                 <c15:showLeaderLines val="1"/>
                 <c15:leaderLines>
                   <c:spPr>
@@ -3369,6 +3378,7 @@
             <c:showLeaderLines val="0"/>
             <c:extLst>
               <c:ext xmlns:c15="http://schemas.microsoft.com/office/drawing/2012/chart" uri="{CE6537A1-D6FC-4f65-9D91-7224C49458BB}">
+                <c15:layout/>
                 <c15:showLeaderLines val="1"/>
                 <c15:leaderLines>
                   <c:spPr>
@@ -3493,6 +3503,7 @@
             <c:showLeaderLines val="0"/>
             <c:extLst>
               <c:ext xmlns:c15="http://schemas.microsoft.com/office/drawing/2012/chart" uri="{CE6537A1-D6FC-4f65-9D91-7224C49458BB}">
+                <c15:layout/>
                 <c15:showLeaderLines val="1"/>
                 <c15:leaderLines>
                   <c:spPr>
@@ -3617,6 +3628,7 @@
             <c:showLeaderLines val="0"/>
             <c:extLst>
               <c:ext xmlns:c15="http://schemas.microsoft.com/office/drawing/2012/chart" uri="{CE6537A1-D6FC-4f65-9D91-7224C49458BB}">
+                <c15:layout/>
                 <c15:showLeaderLines val="1"/>
                 <c15:leaderLines>
                   <c:spPr>
@@ -3783,6 +3795,7 @@
     </c:plotArea>
     <c:legend>
       <c:legendPos val="b"/>
+      <c:layout/>
       <c:overlay val="0"/>
       <c:spPr>
         <a:solidFill>
@@ -3819,6 +3832,7 @@
     </c:legend>
     <c:plotVisOnly val="1"/>
     <c:dispBlanksAs val="gap"/>
+    <c:showDLblsOverMax val="0"/>
     <c:extLst>
       <c:ext xmlns:c16r3="http://schemas.microsoft.com/office/drawing/2017/03/chart" uri="{56B9EC1D-385E-4148-901F-78D8002777C0}">
         <c16r3:dataDisplayOptions16>
@@ -3826,7 +3840,6 @@
         </c16r3:dataDisplayOptions16>
       </c:ext>
     </c:extLst>
-    <c:showDLblsOverMax val="0"/>
   </c:chart>
   <c:spPr>
     <a:gradFill flip="none" rotWithShape="1">
@@ -3915,6 +3928,7 @@
           </a:p>
         </c:rich>
       </c:tx>
+      <c:layout/>
       <c:overlay val="0"/>
       <c:spPr>
         <a:noFill/>
@@ -4023,6 +4037,7 @@
             <c:showLeaderLines val="0"/>
             <c:extLst>
               <c:ext xmlns:c15="http://schemas.microsoft.com/office/drawing/2012/chart" uri="{CE6537A1-D6FC-4f65-9D91-7224C49458BB}">
+                <c15:layout/>
                 <c15:showLeaderLines val="1"/>
                 <c15:leaderLines>
                   <c:spPr>
@@ -4147,6 +4162,7 @@
             <c:showLeaderLines val="0"/>
             <c:extLst>
               <c:ext xmlns:c15="http://schemas.microsoft.com/office/drawing/2012/chart" uri="{CE6537A1-D6FC-4f65-9D91-7224C49458BB}">
+                <c15:layout/>
                 <c15:showLeaderLines val="1"/>
                 <c15:leaderLines>
                   <c:spPr>
@@ -4271,6 +4287,7 @@
             <c:showLeaderLines val="0"/>
             <c:extLst>
               <c:ext xmlns:c15="http://schemas.microsoft.com/office/drawing/2012/chart" uri="{CE6537A1-D6FC-4f65-9D91-7224C49458BB}">
+                <c15:layout/>
                 <c15:showLeaderLines val="1"/>
                 <c15:leaderLines>
                   <c:spPr>
@@ -4395,6 +4412,7 @@
             <c:showLeaderLines val="0"/>
             <c:extLst>
               <c:ext xmlns:c15="http://schemas.microsoft.com/office/drawing/2012/chart" uri="{CE6537A1-D6FC-4f65-9D91-7224C49458BB}">
+                <c15:layout/>
                 <c15:showLeaderLines val="1"/>
                 <c15:leaderLines>
                   <c:spPr>
@@ -4519,6 +4537,7 @@
             <c:showLeaderLines val="0"/>
             <c:extLst>
               <c:ext xmlns:c15="http://schemas.microsoft.com/office/drawing/2012/chart" uri="{CE6537A1-D6FC-4f65-9D91-7224C49458BB}">
+                <c15:layout/>
                 <c15:showLeaderLines val="1"/>
                 <c15:leaderLines>
                   <c:spPr>
@@ -4685,6 +4704,7 @@
     </c:plotArea>
     <c:legend>
       <c:legendPos val="b"/>
+      <c:layout/>
       <c:overlay val="0"/>
       <c:spPr>
         <a:solidFill>
@@ -4721,6 +4741,7 @@
     </c:legend>
     <c:plotVisOnly val="1"/>
     <c:dispBlanksAs val="gap"/>
+    <c:showDLblsOverMax val="0"/>
     <c:extLst>
       <c:ext xmlns:c16r3="http://schemas.microsoft.com/office/drawing/2017/03/chart" uri="{56B9EC1D-385E-4148-901F-78D8002777C0}">
         <c16r3:dataDisplayOptions16>
@@ -4728,7 +4749,6 @@
         </c16r3:dataDisplayOptions16>
       </c:ext>
     </c:extLst>
-    <c:showDLblsOverMax val="0"/>
   </c:chart>
   <c:spPr>
     <a:gradFill flip="none" rotWithShape="1">
@@ -4817,6 +4837,7 @@
           </a:p>
         </c:rich>
       </c:tx>
+      <c:layout/>
       <c:overlay val="0"/>
       <c:spPr>
         <a:noFill/>
@@ -4935,6 +4956,7 @@
             <c:showLeaderLines val="0"/>
             <c:extLst>
               <c:ext xmlns:c15="http://schemas.microsoft.com/office/drawing/2012/chart" uri="{CE6537A1-D6FC-4f65-9D91-7224C49458BB}">
+                <c15:layout/>
                 <c15:showLeaderLines val="1"/>
                 <c15:leaderLines>
                   <c:spPr>
@@ -5059,6 +5081,7 @@
             <c:showLeaderLines val="0"/>
             <c:extLst>
               <c:ext xmlns:c15="http://schemas.microsoft.com/office/drawing/2012/chart" uri="{CE6537A1-D6FC-4f65-9D91-7224C49458BB}">
+                <c15:layout/>
                 <c15:showLeaderLines val="1"/>
                 <c15:leaderLines>
                   <c:spPr>
@@ -5183,6 +5206,7 @@
             <c:showLeaderLines val="0"/>
             <c:extLst>
               <c:ext xmlns:c15="http://schemas.microsoft.com/office/drawing/2012/chart" uri="{CE6537A1-D6FC-4f65-9D91-7224C49458BB}">
+                <c15:layout/>
                 <c15:showLeaderLines val="1"/>
                 <c15:leaderLines>
                   <c:spPr>
@@ -5307,6 +5331,7 @@
             <c:showLeaderLines val="0"/>
             <c:extLst>
               <c:ext xmlns:c15="http://schemas.microsoft.com/office/drawing/2012/chart" uri="{CE6537A1-D6FC-4f65-9D91-7224C49458BB}">
+                <c15:layout/>
                 <c15:showLeaderLines val="1"/>
                 <c15:leaderLines>
                   <c:spPr>
@@ -5431,6 +5456,7 @@
             <c:showLeaderLines val="0"/>
             <c:extLst>
               <c:ext xmlns:c15="http://schemas.microsoft.com/office/drawing/2012/chart" uri="{CE6537A1-D6FC-4f65-9D91-7224C49458BB}">
+                <c15:layout/>
                 <c15:showLeaderLines val="1"/>
                 <c15:leaderLines>
                   <c:spPr>
@@ -5597,6 +5623,7 @@
     </c:plotArea>
     <c:legend>
       <c:legendPos val="b"/>
+      <c:layout/>
       <c:overlay val="0"/>
       <c:spPr>
         <a:solidFill>
@@ -5633,6 +5660,7 @@
     </c:legend>
     <c:plotVisOnly val="1"/>
     <c:dispBlanksAs val="gap"/>
+    <c:showDLblsOverMax val="0"/>
     <c:extLst>
       <c:ext xmlns:c16r3="http://schemas.microsoft.com/office/drawing/2017/03/chart" uri="{56B9EC1D-385E-4148-901F-78D8002777C0}">
         <c16r3:dataDisplayOptions16>
@@ -5640,7 +5668,6 @@
         </c16r3:dataDisplayOptions16>
       </c:ext>
     </c:extLst>
-    <c:showDLblsOverMax val="0"/>
   </c:chart>
   <c:spPr>
     <a:gradFill flip="none" rotWithShape="1">
@@ -5729,6 +5756,7 @@
           </a:p>
         </c:rich>
       </c:tx>
+      <c:layout/>
       <c:overlay val="0"/>
       <c:spPr>
         <a:noFill/>
@@ -5837,6 +5865,7 @@
             <c:showLeaderLines val="0"/>
             <c:extLst>
               <c:ext xmlns:c15="http://schemas.microsoft.com/office/drawing/2012/chart" uri="{CE6537A1-D6FC-4f65-9D91-7224C49458BB}">
+                <c15:layout/>
                 <c15:showLeaderLines val="1"/>
                 <c15:leaderLines>
                   <c:spPr>
@@ -5964,6 +5993,7 @@
             <c:showLeaderLines val="0"/>
             <c:extLst>
               <c:ext xmlns:c15="http://schemas.microsoft.com/office/drawing/2012/chart" uri="{CE6537A1-D6FC-4f65-9D91-7224C49458BB}">
+                <c15:layout/>
                 <c15:showLeaderLines val="1"/>
                 <c15:leaderLines>
                   <c:spPr>
@@ -6091,6 +6121,7 @@
             <c:showLeaderLines val="0"/>
             <c:extLst>
               <c:ext xmlns:c15="http://schemas.microsoft.com/office/drawing/2012/chart" uri="{CE6537A1-D6FC-4f65-9D91-7224C49458BB}">
+                <c15:layout/>
                 <c15:showLeaderLines val="1"/>
                 <c15:leaderLines>
                   <c:spPr>
@@ -6218,6 +6249,7 @@
             <c:showLeaderLines val="0"/>
             <c:extLst>
               <c:ext xmlns:c15="http://schemas.microsoft.com/office/drawing/2012/chart" uri="{CE6537A1-D6FC-4f65-9D91-7224C49458BB}">
+                <c15:layout/>
                 <c15:showLeaderLines val="1"/>
                 <c15:leaderLines>
                   <c:spPr>
@@ -6345,6 +6377,7 @@
             <c:showLeaderLines val="0"/>
             <c:extLst>
               <c:ext xmlns:c15="http://schemas.microsoft.com/office/drawing/2012/chart" uri="{CE6537A1-D6FC-4f65-9D91-7224C49458BB}">
+                <c15:layout/>
                 <c15:showLeaderLines val="1"/>
                 <c15:leaderLines>
                   <c:spPr>
@@ -6514,6 +6547,7 @@
     </c:plotArea>
     <c:legend>
       <c:legendPos val="b"/>
+      <c:layout/>
       <c:overlay val="0"/>
       <c:spPr>
         <a:solidFill>
@@ -10937,7 +10971,7 @@
           <a:p>
             <a:fld id="{B7268E1E-0E44-426D-905E-8AD9B19D2182}" type="datetimeFigureOut">
               <a:rPr lang="cs-CZ" smtClean="0"/>
-              <a:t>20.4.2021</a:t>
+              <a:t>21.04.2021</a:t>
             </a:fld>
             <a:endParaRPr lang="cs-CZ"/>
           </a:p>
@@ -11474,7 +11508,7 @@
             <a:fld id="{1D8BD707-D9CF-40AE-B4C6-C98DA3205C09}" type="datetimeFigureOut">
               <a:rPr lang="en-US" smtClean="0"/>
               <a:pPr/>
-              <a:t>4/20/2021</a:t>
+              <a:t>4/21/2021</a:t>
             </a:fld>
             <a:endParaRPr lang="en-US"/>
           </a:p>
@@ -11639,7 +11673,7 @@
             <a:fld id="{1D8BD707-D9CF-40AE-B4C6-C98DA3205C09}" type="datetimeFigureOut">
               <a:rPr lang="en-US" smtClean="0"/>
               <a:pPr/>
-              <a:t>4/20/2021</a:t>
+              <a:t>4/21/2021</a:t>
             </a:fld>
             <a:endParaRPr lang="en-US"/>
           </a:p>
@@ -11814,7 +11848,7 @@
             <a:fld id="{1D8BD707-D9CF-40AE-B4C6-C98DA3205C09}" type="datetimeFigureOut">
               <a:rPr lang="en-US" smtClean="0"/>
               <a:pPr/>
-              <a:t>4/20/2021</a:t>
+              <a:t>4/21/2021</a:t>
             </a:fld>
             <a:endParaRPr lang="en-US"/>
           </a:p>
@@ -11979,7 +12013,7 @@
             <a:fld id="{1D8BD707-D9CF-40AE-B4C6-C98DA3205C09}" type="datetimeFigureOut">
               <a:rPr lang="en-US" smtClean="0"/>
               <a:pPr/>
-              <a:t>4/20/2021</a:t>
+              <a:t>4/21/2021</a:t>
             </a:fld>
             <a:endParaRPr lang="en-US"/>
           </a:p>
@@ -12221,7 +12255,7 @@
             <a:fld id="{1D8BD707-D9CF-40AE-B4C6-C98DA3205C09}" type="datetimeFigureOut">
               <a:rPr lang="en-US" smtClean="0"/>
               <a:pPr/>
-              <a:t>4/20/2021</a:t>
+              <a:t>4/21/2021</a:t>
             </a:fld>
             <a:endParaRPr lang="en-US"/>
           </a:p>
@@ -12503,7 +12537,7 @@
             <a:fld id="{1D8BD707-D9CF-40AE-B4C6-C98DA3205C09}" type="datetimeFigureOut">
               <a:rPr lang="en-US" smtClean="0"/>
               <a:pPr/>
-              <a:t>4/20/2021</a:t>
+              <a:t>4/21/2021</a:t>
             </a:fld>
             <a:endParaRPr lang="en-US"/>
           </a:p>
@@ -12919,7 +12953,7 @@
             <a:fld id="{1D8BD707-D9CF-40AE-B4C6-C98DA3205C09}" type="datetimeFigureOut">
               <a:rPr lang="en-US" smtClean="0"/>
               <a:pPr/>
-              <a:t>4/20/2021</a:t>
+              <a:t>4/21/2021</a:t>
             </a:fld>
             <a:endParaRPr lang="en-US"/>
           </a:p>
@@ -13033,7 +13067,7 @@
             <a:fld id="{1D8BD707-D9CF-40AE-B4C6-C98DA3205C09}" type="datetimeFigureOut">
               <a:rPr lang="en-US" smtClean="0"/>
               <a:pPr/>
-              <a:t>4/20/2021</a:t>
+              <a:t>4/21/2021</a:t>
             </a:fld>
             <a:endParaRPr lang="en-US"/>
           </a:p>
@@ -13125,7 +13159,7 @@
             <a:fld id="{1D8BD707-D9CF-40AE-B4C6-C98DA3205C09}" type="datetimeFigureOut">
               <a:rPr lang="en-US" smtClean="0"/>
               <a:pPr/>
-              <a:t>4/20/2021</a:t>
+              <a:t>4/21/2021</a:t>
             </a:fld>
             <a:endParaRPr lang="en-US"/>
           </a:p>
@@ -13397,7 +13431,7 @@
             <a:fld id="{1D8BD707-D9CF-40AE-B4C6-C98DA3205C09}" type="datetimeFigureOut">
               <a:rPr lang="en-US" smtClean="0"/>
               <a:pPr/>
-              <a:t>4/20/2021</a:t>
+              <a:t>4/21/2021</a:t>
             </a:fld>
             <a:endParaRPr lang="en-US"/>
           </a:p>
@@ -13646,7 +13680,7 @@
             <a:fld id="{1D8BD707-D9CF-40AE-B4C6-C98DA3205C09}" type="datetimeFigureOut">
               <a:rPr lang="en-US" smtClean="0"/>
               <a:pPr/>
-              <a:t>4/20/2021</a:t>
+              <a:t>4/21/2021</a:t>
             </a:fld>
             <a:endParaRPr lang="en-US"/>
           </a:p>
@@ -13854,7 +13888,7 @@
             <a:fld id="{1D8BD707-D9CF-40AE-B4C6-C98DA3205C09}" type="datetimeFigureOut">
               <a:rPr lang="en-US" smtClean="0"/>
               <a:pPr/>
-              <a:t>4/20/2021</a:t>
+              <a:t>4/21/2021</a:t>
             </a:fld>
             <a:endParaRPr lang="en-US"/>
           </a:p>
@@ -16126,10 +16160,34 @@
               </a:lnSpc>
             </a:pPr>
             <a:r>
+              <a:rPr lang="pt-BR" sz="3200" dirty="0" smtClean="0">
+                <a:latin typeface="Muli Regular"/>
+              </a:rPr>
+              <a:t>No Brasil são mais de </a:t>
+            </a:r>
+            <a:r>
+              <a:rPr lang="pt-BR" sz="3200" dirty="0" smtClean="0">
+                <a:latin typeface="Muli Regular"/>
+              </a:rPr>
+              <a:t>50 </a:t>
+            </a:r>
+            <a:r>
               <a:rPr lang="pt-BR" sz="3200" dirty="0">
                 <a:latin typeface="Muli Regular"/>
               </a:rPr>
-              <a:t>Ao todo são 50 mil fazendas que tem plantações de tomate.</a:t>
+              <a:t>mil </a:t>
+            </a:r>
+            <a:r>
+              <a:rPr lang="pt-BR" sz="3200" dirty="0" smtClean="0">
+                <a:latin typeface="Muli Regular"/>
+              </a:rPr>
+              <a:t>hectares com </a:t>
+            </a:r>
+            <a:r>
+              <a:rPr lang="pt-BR" sz="3200" dirty="0">
+                <a:latin typeface="Muli Regular"/>
+              </a:rPr>
+              <a:t>plantações de tomate.</a:t>
             </a:r>
           </a:p>
         </p:txBody>
@@ -17128,11 +17186,14 @@
               </a:lnSpc>
             </a:pPr>
             <a:r>
-              <a:rPr lang="pt-BR" sz="3200" dirty="0">
+              <a:rPr lang="pt-BR" sz="3200" dirty="0" smtClean="0">
                 <a:latin typeface="Muli Regular"/>
               </a:rPr>
-              <a:t>Um Hectare em estufa possuí produtividade de 200 a 400% maior.</a:t>
+              <a:t>A estufa possui produtividade até 200% maior que no campo.</a:t>
             </a:r>
+            <a:endParaRPr lang="pt-BR" sz="3200" dirty="0">
+              <a:latin typeface="Muli Regular"/>
+            </a:endParaRPr>
           </a:p>
         </p:txBody>
       </p:sp>
@@ -17441,7 +17502,7 @@
         </p:nvGraphicFramePr>
         <p:xfrm>
           <a:off x="5341643" y="4420020"/>
-          <a:ext cx="12946359" cy="3139676"/>
+          <a:ext cx="12946359" cy="3243431"/>
         </p:xfrm>
         <a:graphic>
           <a:graphicData uri="http://schemas.openxmlformats.org/drawingml/2006/table">

--- a/Documentação/SixSolucionApre.pptx
+++ b/Documentação/SixSolucionApre.pptx
@@ -5,7 +5,7 @@
     <p:sldMasterId id="2147483648" r:id="rId1"/>
   </p:sldMasterIdLst>
   <p:notesMasterIdLst>
-    <p:notesMasterId r:id="rId19"/>
+    <p:notesMasterId r:id="rId18"/>
   </p:notesMasterIdLst>
   <p:sldIdLst>
     <p:sldId id="257" r:id="rId2"/>
@@ -22,31 +22,30 @@
     <p:sldId id="286" r:id="rId13"/>
     <p:sldId id="287" r:id="rId14"/>
     <p:sldId id="288" r:id="rId15"/>
-    <p:sldId id="282" r:id="rId16"/>
-    <p:sldId id="284" r:id="rId17"/>
-    <p:sldId id="290" r:id="rId18"/>
+    <p:sldId id="284" r:id="rId16"/>
+    <p:sldId id="290" r:id="rId17"/>
   </p:sldIdLst>
   <p:sldSz cx="18288000" cy="10287000"/>
   <p:notesSz cx="6858000" cy="9144000"/>
   <p:embeddedFontLst>
     <p:embeddedFont>
       <p:font typeface="Calibri" panose="020F0502020204030204" pitchFamily="34" charset="0"/>
-      <p:regular r:id="rId20"/>
-      <p:bold r:id="rId21"/>
-      <p:italic r:id="rId22"/>
-      <p:boldItalic r:id="rId23"/>
+      <p:regular r:id="rId19"/>
+      <p:bold r:id="rId20"/>
+      <p:italic r:id="rId21"/>
+      <p:boldItalic r:id="rId22"/>
     </p:embeddedFont>
     <p:embeddedFont>
       <p:font typeface="Muli Black" panose="020B0604020202020204" charset="0"/>
+      <p:regular r:id="rId23"/>
+    </p:embeddedFont>
+    <p:embeddedFont>
+      <p:font typeface="Muli Regular" panose="020B0604020202020204" charset="0"/>
       <p:regular r:id="rId24"/>
     </p:embeddedFont>
     <p:embeddedFont>
-      <p:font typeface="Muli Regular" panose="020B0604020202020204" charset="0"/>
+      <p:font typeface="Muli Regular Bold" panose="020B0604020202020204" charset="0"/>
       <p:regular r:id="rId25"/>
-    </p:embeddedFont>
-    <p:embeddedFont>
-      <p:font typeface="Muli Regular Bold" panose="020B0604020202020204" charset="0"/>
-      <p:regular r:id="rId26"/>
     </p:embeddedFont>
   </p:embeddedFontLst>
   <p:defaultTextStyle>
@@ -163,7 +162,6 @@
             <p14:sldId id="286"/>
             <p14:sldId id="287"/>
             <p14:sldId id="288"/>
-            <p14:sldId id="282"/>
             <p14:sldId id="284"/>
             <p14:sldId id="290"/>
           </p14:sldIdLst>
@@ -10937,7 +10935,7 @@
           <a:p>
             <a:fld id="{B7268E1E-0E44-426D-905E-8AD9B19D2182}" type="datetimeFigureOut">
               <a:rPr lang="cs-CZ" smtClean="0"/>
-              <a:t>20.4.2021</a:t>
+              <a:t>21.4.2021</a:t>
             </a:fld>
             <a:endParaRPr lang="cs-CZ"/>
           </a:p>
@@ -11474,7 +11472,7 @@
             <a:fld id="{1D8BD707-D9CF-40AE-B4C6-C98DA3205C09}" type="datetimeFigureOut">
               <a:rPr lang="en-US" smtClean="0"/>
               <a:pPr/>
-              <a:t>4/20/2021</a:t>
+              <a:t>4/21/2021</a:t>
             </a:fld>
             <a:endParaRPr lang="en-US"/>
           </a:p>
@@ -11639,7 +11637,7 @@
             <a:fld id="{1D8BD707-D9CF-40AE-B4C6-C98DA3205C09}" type="datetimeFigureOut">
               <a:rPr lang="en-US" smtClean="0"/>
               <a:pPr/>
-              <a:t>4/20/2021</a:t>
+              <a:t>4/21/2021</a:t>
             </a:fld>
             <a:endParaRPr lang="en-US"/>
           </a:p>
@@ -11814,7 +11812,7 @@
             <a:fld id="{1D8BD707-D9CF-40AE-B4C6-C98DA3205C09}" type="datetimeFigureOut">
               <a:rPr lang="en-US" smtClean="0"/>
               <a:pPr/>
-              <a:t>4/20/2021</a:t>
+              <a:t>4/21/2021</a:t>
             </a:fld>
             <a:endParaRPr lang="en-US"/>
           </a:p>
@@ -11979,7 +11977,7 @@
             <a:fld id="{1D8BD707-D9CF-40AE-B4C6-C98DA3205C09}" type="datetimeFigureOut">
               <a:rPr lang="en-US" smtClean="0"/>
               <a:pPr/>
-              <a:t>4/20/2021</a:t>
+              <a:t>4/21/2021</a:t>
             </a:fld>
             <a:endParaRPr lang="en-US"/>
           </a:p>
@@ -12221,7 +12219,7 @@
             <a:fld id="{1D8BD707-D9CF-40AE-B4C6-C98DA3205C09}" type="datetimeFigureOut">
               <a:rPr lang="en-US" smtClean="0"/>
               <a:pPr/>
-              <a:t>4/20/2021</a:t>
+              <a:t>4/21/2021</a:t>
             </a:fld>
             <a:endParaRPr lang="en-US"/>
           </a:p>
@@ -12503,7 +12501,7 @@
             <a:fld id="{1D8BD707-D9CF-40AE-B4C6-C98DA3205C09}" type="datetimeFigureOut">
               <a:rPr lang="en-US" smtClean="0"/>
               <a:pPr/>
-              <a:t>4/20/2021</a:t>
+              <a:t>4/21/2021</a:t>
             </a:fld>
             <a:endParaRPr lang="en-US"/>
           </a:p>
@@ -12919,7 +12917,7 @@
             <a:fld id="{1D8BD707-D9CF-40AE-B4C6-C98DA3205C09}" type="datetimeFigureOut">
               <a:rPr lang="en-US" smtClean="0"/>
               <a:pPr/>
-              <a:t>4/20/2021</a:t>
+              <a:t>4/21/2021</a:t>
             </a:fld>
             <a:endParaRPr lang="en-US"/>
           </a:p>
@@ -13033,7 +13031,7 @@
             <a:fld id="{1D8BD707-D9CF-40AE-B4C6-C98DA3205C09}" type="datetimeFigureOut">
               <a:rPr lang="en-US" smtClean="0"/>
               <a:pPr/>
-              <a:t>4/20/2021</a:t>
+              <a:t>4/21/2021</a:t>
             </a:fld>
             <a:endParaRPr lang="en-US"/>
           </a:p>
@@ -13125,7 +13123,7 @@
             <a:fld id="{1D8BD707-D9CF-40AE-B4C6-C98DA3205C09}" type="datetimeFigureOut">
               <a:rPr lang="en-US" smtClean="0"/>
               <a:pPr/>
-              <a:t>4/20/2021</a:t>
+              <a:t>4/21/2021</a:t>
             </a:fld>
             <a:endParaRPr lang="en-US"/>
           </a:p>
@@ -13397,7 +13395,7 @@
             <a:fld id="{1D8BD707-D9CF-40AE-B4C6-C98DA3205C09}" type="datetimeFigureOut">
               <a:rPr lang="en-US" smtClean="0"/>
               <a:pPr/>
-              <a:t>4/20/2021</a:t>
+              <a:t>4/21/2021</a:t>
             </a:fld>
             <a:endParaRPr lang="en-US"/>
           </a:p>
@@ -13646,7 +13644,7 @@
             <a:fld id="{1D8BD707-D9CF-40AE-B4C6-C98DA3205C09}" type="datetimeFigureOut">
               <a:rPr lang="en-US" smtClean="0"/>
               <a:pPr/>
-              <a:t>4/20/2021</a:t>
+              <a:t>4/21/2021</a:t>
             </a:fld>
             <a:endParaRPr lang="en-US"/>
           </a:p>
@@ -13854,7 +13852,7 @@
             <a:fld id="{1D8BD707-D9CF-40AE-B4C6-C98DA3205C09}" type="datetimeFigureOut">
               <a:rPr lang="en-US" smtClean="0"/>
               <a:pPr/>
-              <a:t>4/20/2021</a:t>
+              <a:t>4/21/2021</a:t>
             </a:fld>
             <a:endParaRPr lang="en-US"/>
           </a:p>
@@ -15155,218 +15153,6 @@
           <a:chExt cx="0" cy="0"/>
         </a:xfrm>
       </p:grpSpPr>
-      <p:sp>
-        <p:nvSpPr>
-          <p:cNvPr id="5" name="TextBox 11">
-            <a:extLst>
-              <a:ext uri="{FF2B5EF4-FFF2-40B4-BE49-F238E27FC236}">
-                <a16:creationId xmlns:a16="http://schemas.microsoft.com/office/drawing/2014/main" id="{2BA59F2D-3FA5-4ED0-8E4A-E4B2E2C23330}"/>
-              </a:ext>
-            </a:extLst>
-          </p:cNvPr>
-          <p:cNvSpPr txBox="1"/>
-          <p:nvPr/>
-        </p:nvSpPr>
-        <p:spPr>
-          <a:xfrm>
-            <a:off x="1295400" y="2247900"/>
-            <a:ext cx="15697200" cy="2479012"/>
-          </a:xfrm>
-          <a:prstGeom prst="rect">
-            <a:avLst/>
-          </a:prstGeom>
-        </p:spPr>
-        <p:txBody>
-          <a:bodyPr wrap="square" lIns="0" tIns="0" rIns="0" bIns="0" rtlCol="0" anchor="t">
-            <a:spAutoFit/>
-          </a:bodyPr>
-          <a:lstStyle/>
-          <a:p>
-            <a:pPr marL="377825" lvl="1">
-              <a:lnSpc>
-                <a:spcPts val="4865"/>
-              </a:lnSpc>
-            </a:pPr>
-            <a:endParaRPr lang="en-US" sz="4000" b="1" dirty="0">
-              <a:latin typeface="Muli Regular" panose="020B0604020202020204" charset="0"/>
-            </a:endParaRPr>
-          </a:p>
-          <a:p>
-            <a:pPr marL="755650" lvl="1" indent="-377825">
-              <a:lnSpc>
-                <a:spcPts val="4865"/>
-              </a:lnSpc>
-              <a:buFont typeface="Arial"/>
-              <a:buChar char="•"/>
-            </a:pPr>
-            <a:r>
-              <a:rPr lang="en-US" sz="4000" b="1" dirty="0" err="1">
-                <a:latin typeface="Muli Regular" panose="020B0604020202020204" charset="0"/>
-              </a:rPr>
-              <a:t>Demonstração</a:t>
-            </a:r>
-            <a:r>
-              <a:rPr lang="en-US" sz="4000" b="1" dirty="0">
-                <a:latin typeface="Muli Regular" panose="020B0604020202020204" charset="0"/>
-              </a:rPr>
-              <a:t> do </a:t>
-            </a:r>
-            <a:r>
-              <a:rPr lang="en-US" sz="4000" b="1" dirty="0" err="1">
-                <a:latin typeface="Muli Regular" panose="020B0604020202020204" charset="0"/>
-              </a:rPr>
-              <a:t>Simulador</a:t>
-            </a:r>
-            <a:r>
-              <a:rPr lang="en-US" sz="4000" b="1" dirty="0">
-                <a:latin typeface="Muli Regular" panose="020B0604020202020204" charset="0"/>
-              </a:rPr>
-              <a:t> de </a:t>
-            </a:r>
-            <a:r>
-              <a:rPr lang="en-US" sz="4000" b="1" dirty="0" err="1">
-                <a:latin typeface="Muli Regular" panose="020B0604020202020204" charset="0"/>
-              </a:rPr>
-              <a:t>Sensores</a:t>
-            </a:r>
-            <a:r>
-              <a:rPr lang="en-US" sz="4000" b="1" dirty="0">
-                <a:latin typeface="Muli Regular" panose="020B0604020202020204" charset="0"/>
-              </a:rPr>
-              <a:t> (Node).</a:t>
-            </a:r>
-          </a:p>
-          <a:p>
-            <a:pPr marL="377825" lvl="1">
-              <a:lnSpc>
-                <a:spcPts val="4865"/>
-              </a:lnSpc>
-            </a:pPr>
-            <a:endParaRPr lang="en-US" sz="4000" b="1" dirty="0">
-              <a:latin typeface="Muli Regular" panose="020B0604020202020204" charset="0"/>
-            </a:endParaRPr>
-          </a:p>
-          <a:p>
-            <a:pPr marL="755650" lvl="1" indent="-377825">
-              <a:lnSpc>
-                <a:spcPts val="4865"/>
-              </a:lnSpc>
-              <a:buFont typeface="Arial"/>
-              <a:buChar char="•"/>
-            </a:pPr>
-            <a:r>
-              <a:rPr lang="en-US" sz="4000" b="1" dirty="0" err="1">
-                <a:latin typeface="Muli Regular" panose="020B0604020202020204" charset="0"/>
-              </a:rPr>
-              <a:t>Tabelas</a:t>
-            </a:r>
-            <a:r>
-              <a:rPr lang="en-US" sz="4000" b="1" dirty="0">
-                <a:latin typeface="Muli Regular" panose="020B0604020202020204" charset="0"/>
-              </a:rPr>
-              <a:t> / </a:t>
-            </a:r>
-            <a:r>
-              <a:rPr lang="en-US" sz="4000" b="1" dirty="0" err="1">
-                <a:latin typeface="Muli Regular" panose="020B0604020202020204" charset="0"/>
-              </a:rPr>
-              <a:t>Modelo</a:t>
-            </a:r>
-            <a:r>
-              <a:rPr lang="en-US" sz="4000" b="1" dirty="0">
-                <a:latin typeface="Muli Regular" panose="020B0604020202020204" charset="0"/>
-              </a:rPr>
-              <a:t> de dados </a:t>
-            </a:r>
-            <a:r>
-              <a:rPr lang="en-US" sz="4000" b="1" dirty="0" err="1">
-                <a:latin typeface="Muli Regular" panose="020B0604020202020204" charset="0"/>
-              </a:rPr>
-              <a:t>Lógico</a:t>
-            </a:r>
-            <a:r>
-              <a:rPr lang="en-US" sz="4000" b="1" dirty="0">
-                <a:latin typeface="Muli Regular" panose="020B0604020202020204" charset="0"/>
-              </a:rPr>
-              <a:t>.</a:t>
-            </a:r>
-          </a:p>
-        </p:txBody>
-      </p:sp>
-      <p:pic>
-        <p:nvPicPr>
-          <p:cNvPr id="6" name="Imagem 5">
-            <a:extLst>
-              <a:ext uri="{FF2B5EF4-FFF2-40B4-BE49-F238E27FC236}">
-                <a16:creationId xmlns:a16="http://schemas.microsoft.com/office/drawing/2014/main" id="{C71236CF-585A-459B-97F8-67C76A56AFB8}"/>
-              </a:ext>
-            </a:extLst>
-          </p:cNvPr>
-          <p:cNvPicPr>
-            <a:picLocks noChangeAspect="1"/>
-          </p:cNvPicPr>
-          <p:nvPr/>
-        </p:nvPicPr>
-        <p:blipFill>
-          <a:blip r:embed="rId2">
-            <a:extLst>
-              <a:ext uri="{28A0092B-C50C-407E-A947-70E740481C1C}">
-                <a14:useLocalDpi xmlns:a14="http://schemas.microsoft.com/office/drawing/2010/main" val="0"/>
-              </a:ext>
-            </a:extLst>
-          </a:blip>
-          <a:stretch>
-            <a:fillRect/>
-          </a:stretch>
-        </p:blipFill>
-        <p:spPr>
-          <a:xfrm>
-            <a:off x="16392573" y="8877300"/>
-            <a:ext cx="1778379" cy="1206933"/>
-          </a:xfrm>
-          <a:prstGeom prst="rect">
-            <a:avLst/>
-          </a:prstGeom>
-        </p:spPr>
-      </p:pic>
-    </p:spTree>
-    <p:extLst>
-      <p:ext uri="{BB962C8B-B14F-4D97-AF65-F5344CB8AC3E}">
-        <p14:creationId xmlns:p14="http://schemas.microsoft.com/office/powerpoint/2010/main" val="2850483604"/>
-      </p:ext>
-    </p:extLst>
-  </p:cSld>
-  <p:clrMapOvr>
-    <a:masterClrMapping/>
-  </p:clrMapOvr>
-</p:sld>
-</file>
-
-<file path=ppt/slides/slide16.xml><?xml version="1.0" encoding="utf-8"?>
-<p:sld xmlns:a="http://schemas.openxmlformats.org/drawingml/2006/main" xmlns:r="http://schemas.openxmlformats.org/officeDocument/2006/relationships" xmlns:p="http://schemas.openxmlformats.org/presentationml/2006/main">
-  <p:cSld>
-    <p:bg>
-      <p:bgPr>
-        <a:solidFill>
-          <a:srgbClr val="DEFCD4"/>
-        </a:solidFill>
-        <a:effectLst/>
-      </p:bgPr>
-    </p:bg>
-    <p:spTree>
-      <p:nvGrpSpPr>
-        <p:cNvPr id="1" name=""/>
-        <p:cNvGrpSpPr/>
-        <p:nvPr/>
-      </p:nvGrpSpPr>
-      <p:grpSpPr>
-        <a:xfrm>
-          <a:off x="0" y="0"/>
-          <a:ext cx="0" cy="0"/>
-          <a:chOff x="0" y="0"/>
-          <a:chExt cx="0" cy="0"/>
-        </a:xfrm>
-      </p:grpSpPr>
       <p:pic>
         <p:nvPicPr>
           <p:cNvPr id="6" name="Imagem 5">
@@ -15484,7 +15270,7 @@
 </p:sld>
 </file>
 
-<file path=ppt/slides/slide17.xml><?xml version="1.0" encoding="utf-8"?>
+<file path=ppt/slides/slide16.xml><?xml version="1.0" encoding="utf-8"?>
 <p:sld xmlns:a="http://schemas.openxmlformats.org/drawingml/2006/main" xmlns:r="http://schemas.openxmlformats.org/officeDocument/2006/relationships" xmlns:p="http://schemas.openxmlformats.org/presentationml/2006/main">
   <p:cSld>
     <p:bg>
